--- a/Mission Cards.pptx
+++ b/Mission Cards.pptx
@@ -204,7 +204,7 @@
           <a:p>
             <a:fld id="{B2D810E2-B8D6-444F-B52E-84C77A3A9101}" type="datetimeFigureOut">
               <a:rPr lang="en-US" smtClean="0"/>
-              <a:t>10/2/2021</a:t>
+              <a:t>10/3/2021</a:t>
             </a:fld>
             <a:endParaRPr lang="en-US"/>
           </a:p>
@@ -1487,7 +1487,7 @@
           <a:p>
             <a:fld id="{2D2E9655-7644-43F3-92A4-01A13848D89F}" type="datetimeFigureOut">
               <a:rPr lang="en-US" smtClean="0"/>
-              <a:t>10/2/2021</a:t>
+              <a:t>10/3/2021</a:t>
             </a:fld>
             <a:endParaRPr lang="en-US"/>
           </a:p>
@@ -1685,7 +1685,7 @@
           <a:p>
             <a:fld id="{B6A3A844-89E4-4787-AA56-85F8BB2CD45E}" type="datetimeFigureOut">
               <a:rPr lang="en-US" smtClean="0"/>
-              <a:t>10/2/2021</a:t>
+              <a:t>10/3/2021</a:t>
             </a:fld>
             <a:endParaRPr lang="en-US"/>
           </a:p>
@@ -1893,7 +1893,7 @@
           <a:p>
             <a:fld id="{B6A3A844-89E4-4787-AA56-85F8BB2CD45E}" type="datetimeFigureOut">
               <a:rPr lang="en-US" smtClean="0"/>
-              <a:t>10/2/2021</a:t>
+              <a:t>10/3/2021</a:t>
             </a:fld>
             <a:endParaRPr lang="en-US"/>
           </a:p>
@@ -2236,7 +2236,7 @@
           <a:p>
             <a:fld id="{B6A3A844-89E4-4787-AA56-85F8BB2CD45E}" type="datetimeFigureOut">
               <a:rPr lang="en-US" smtClean="0"/>
-              <a:t>10/2/2021</a:t>
+              <a:t>10/3/2021</a:t>
             </a:fld>
             <a:endParaRPr lang="en-US"/>
           </a:p>
@@ -2511,7 +2511,7 @@
           <a:p>
             <a:fld id="{B6A3A844-89E4-4787-AA56-85F8BB2CD45E}" type="datetimeFigureOut">
               <a:rPr lang="en-US" smtClean="0"/>
-              <a:t>10/2/2021</a:t>
+              <a:t>10/3/2021</a:t>
             </a:fld>
             <a:endParaRPr lang="en-US"/>
           </a:p>
@@ -2776,7 +2776,7 @@
           <a:p>
             <a:fld id="{B6A3A844-89E4-4787-AA56-85F8BB2CD45E}" type="datetimeFigureOut">
               <a:rPr lang="en-US" smtClean="0"/>
-              <a:t>10/2/2021</a:t>
+              <a:t>10/3/2021</a:t>
             </a:fld>
             <a:endParaRPr lang="en-US"/>
           </a:p>
@@ -3188,7 +3188,7 @@
           <a:p>
             <a:fld id="{B6A3A844-89E4-4787-AA56-85F8BB2CD45E}" type="datetimeFigureOut">
               <a:rPr lang="en-US" smtClean="0"/>
-              <a:t>10/2/2021</a:t>
+              <a:t>10/3/2021</a:t>
             </a:fld>
             <a:endParaRPr lang="en-US"/>
           </a:p>
@@ -3329,7 +3329,7 @@
           <a:p>
             <a:fld id="{B6A3A844-89E4-4787-AA56-85F8BB2CD45E}" type="datetimeFigureOut">
               <a:rPr lang="en-US" smtClean="0"/>
-              <a:t>10/2/2021</a:t>
+              <a:t>10/3/2021</a:t>
             </a:fld>
             <a:endParaRPr lang="en-US"/>
           </a:p>
@@ -3442,7 +3442,7 @@
           <a:p>
             <a:fld id="{B6A3A844-89E4-4787-AA56-85F8BB2CD45E}" type="datetimeFigureOut">
               <a:rPr lang="en-US" smtClean="0"/>
-              <a:t>10/2/2021</a:t>
+              <a:t>10/3/2021</a:t>
             </a:fld>
             <a:endParaRPr lang="en-US"/>
           </a:p>
@@ -3753,7 +3753,7 @@
           <a:p>
             <a:fld id="{B6A3A844-89E4-4787-AA56-85F8BB2CD45E}" type="datetimeFigureOut">
               <a:rPr lang="en-US" smtClean="0"/>
-              <a:t>10/2/2021</a:t>
+              <a:t>10/3/2021</a:t>
             </a:fld>
             <a:endParaRPr lang="en-US"/>
           </a:p>
@@ -4041,7 +4041,7 @@
           <a:p>
             <a:fld id="{B6A3A844-89E4-4787-AA56-85F8BB2CD45E}" type="datetimeFigureOut">
               <a:rPr lang="en-US" smtClean="0"/>
-              <a:t>10/2/2021</a:t>
+              <a:t>10/3/2021</a:t>
             </a:fld>
             <a:endParaRPr lang="en-US"/>
           </a:p>
@@ -4300,7 +4300,7 @@
           <a:p>
             <a:fld id="{B6A3A844-89E4-4787-AA56-85F8BB2CD45E}" type="datetimeFigureOut">
               <a:rPr lang="en-US" smtClean="0"/>
-              <a:t>10/2/2021</a:t>
+              <a:t>10/3/2021</a:t>
             </a:fld>
             <a:endParaRPr lang="en-US"/>
           </a:p>
@@ -5465,20 +5465,20 @@
             <a:gdLst>
               <a:gd name="connsiteX0" fmla="*/ 0 w 845032"/>
               <a:gd name="connsiteY0" fmla="*/ 0 h 886022"/>
-              <a:gd name="connsiteX1" fmla="*/ 414066 w 845032"/>
+              <a:gd name="connsiteX1" fmla="*/ 397165 w 845032"/>
               <a:gd name="connsiteY1" fmla="*/ 0 h 886022"/>
               <a:gd name="connsiteX2" fmla="*/ 845032 w 845032"/>
               <a:gd name="connsiteY2" fmla="*/ 0 h 886022"/>
               <a:gd name="connsiteX3" fmla="*/ 845032 w 845032"/>
-              <a:gd name="connsiteY3" fmla="*/ 425291 h 886022"/>
+              <a:gd name="connsiteY3" fmla="*/ 416430 h 886022"/>
               <a:gd name="connsiteX4" fmla="*/ 845032 w 845032"/>
               <a:gd name="connsiteY4" fmla="*/ 886022 h 886022"/>
-              <a:gd name="connsiteX5" fmla="*/ 430966 w 845032"/>
+              <a:gd name="connsiteX5" fmla="*/ 439417 w 845032"/>
               <a:gd name="connsiteY5" fmla="*/ 886022 h 886022"/>
               <a:gd name="connsiteX6" fmla="*/ 0 w 845032"/>
               <a:gd name="connsiteY6" fmla="*/ 886022 h 886022"/>
               <a:gd name="connsiteX7" fmla="*/ 0 w 845032"/>
-              <a:gd name="connsiteY7" fmla="*/ 451871 h 886022"/>
+              <a:gd name="connsiteY7" fmla="*/ 469592 h 886022"/>
               <a:gd name="connsiteX8" fmla="*/ 0 w 845032"/>
               <a:gd name="connsiteY8" fmla="*/ 0 h 886022"/>
             </a:gdLst>
@@ -5514,53 +5514,7 @@
             </a:cxnLst>
             <a:rect l="l" t="t" r="r" b="b"/>
             <a:pathLst>
-              <a:path w="845032" h="886022" fill="none" extrusionOk="0">
-                <a:moveTo>
-                  <a:pt x="0" y="0"/>
-                </a:moveTo>
-                <a:cubicBezTo>
-                  <a:pt x="122021" y="3035"/>
-                  <a:pt x="274294" y="18057"/>
-                  <a:pt x="414066" y="0"/>
-                </a:cubicBezTo>
-                <a:cubicBezTo>
-                  <a:pt x="553838" y="-18057"/>
-                  <a:pt x="674226" y="-9406"/>
-                  <a:pt x="845032" y="0"/>
-                </a:cubicBezTo>
-                <a:cubicBezTo>
-                  <a:pt x="845087" y="133736"/>
-                  <a:pt x="865226" y="306832"/>
-                  <a:pt x="845032" y="425291"/>
-                </a:cubicBezTo>
-                <a:cubicBezTo>
-                  <a:pt x="824838" y="543750"/>
-                  <a:pt x="840419" y="683892"/>
-                  <a:pt x="845032" y="886022"/>
-                </a:cubicBezTo>
-                <a:cubicBezTo>
-                  <a:pt x="708439" y="867909"/>
-                  <a:pt x="590961" y="894991"/>
-                  <a:pt x="430966" y="886022"/>
-                </a:cubicBezTo>
-                <a:cubicBezTo>
-                  <a:pt x="270971" y="877053"/>
-                  <a:pt x="151183" y="904472"/>
-                  <a:pt x="0" y="886022"/>
-                </a:cubicBezTo>
-                <a:cubicBezTo>
-                  <a:pt x="102" y="767371"/>
-                  <a:pt x="-21486" y="554460"/>
-                  <a:pt x="0" y="451871"/>
-                </a:cubicBezTo>
-                <a:cubicBezTo>
-                  <a:pt x="21486" y="349282"/>
-                  <a:pt x="8243" y="110678"/>
-                  <a:pt x="0" y="0"/>
-                </a:cubicBezTo>
-                <a:close/>
-              </a:path>
-              <a:path w="845032" h="886022" stroke="0" extrusionOk="0">
+              <a:path w="845032" h="886022" extrusionOk="0">
                 <a:moveTo>
                   <a:pt x="0" y="0"/>
                 </a:moveTo>
@@ -5677,20 +5631,20 @@
             <a:gdLst>
               <a:gd name="connsiteX0" fmla="*/ 0 w 845032"/>
               <a:gd name="connsiteY0" fmla="*/ 0 h 886022"/>
-              <a:gd name="connsiteX1" fmla="*/ 414066 w 845032"/>
+              <a:gd name="connsiteX1" fmla="*/ 397165 w 845032"/>
               <a:gd name="connsiteY1" fmla="*/ 0 h 886022"/>
               <a:gd name="connsiteX2" fmla="*/ 845032 w 845032"/>
               <a:gd name="connsiteY2" fmla="*/ 0 h 886022"/>
               <a:gd name="connsiteX3" fmla="*/ 845032 w 845032"/>
-              <a:gd name="connsiteY3" fmla="*/ 425291 h 886022"/>
+              <a:gd name="connsiteY3" fmla="*/ 416430 h 886022"/>
               <a:gd name="connsiteX4" fmla="*/ 845032 w 845032"/>
               <a:gd name="connsiteY4" fmla="*/ 886022 h 886022"/>
-              <a:gd name="connsiteX5" fmla="*/ 430966 w 845032"/>
+              <a:gd name="connsiteX5" fmla="*/ 439417 w 845032"/>
               <a:gd name="connsiteY5" fmla="*/ 886022 h 886022"/>
               <a:gd name="connsiteX6" fmla="*/ 0 w 845032"/>
               <a:gd name="connsiteY6" fmla="*/ 886022 h 886022"/>
               <a:gd name="connsiteX7" fmla="*/ 0 w 845032"/>
-              <a:gd name="connsiteY7" fmla="*/ 451871 h 886022"/>
+              <a:gd name="connsiteY7" fmla="*/ 469592 h 886022"/>
               <a:gd name="connsiteX8" fmla="*/ 0 w 845032"/>
               <a:gd name="connsiteY8" fmla="*/ 0 h 886022"/>
             </a:gdLst>
@@ -5726,53 +5680,7 @@
             </a:cxnLst>
             <a:rect l="l" t="t" r="r" b="b"/>
             <a:pathLst>
-              <a:path w="845032" h="886022" fill="none" extrusionOk="0">
-                <a:moveTo>
-                  <a:pt x="0" y="0"/>
-                </a:moveTo>
-                <a:cubicBezTo>
-                  <a:pt x="122021" y="3035"/>
-                  <a:pt x="274294" y="18057"/>
-                  <a:pt x="414066" y="0"/>
-                </a:cubicBezTo>
-                <a:cubicBezTo>
-                  <a:pt x="553838" y="-18057"/>
-                  <a:pt x="674226" y="-9406"/>
-                  <a:pt x="845032" y="0"/>
-                </a:cubicBezTo>
-                <a:cubicBezTo>
-                  <a:pt x="845087" y="133736"/>
-                  <a:pt x="865226" y="306832"/>
-                  <a:pt x="845032" y="425291"/>
-                </a:cubicBezTo>
-                <a:cubicBezTo>
-                  <a:pt x="824838" y="543750"/>
-                  <a:pt x="840419" y="683892"/>
-                  <a:pt x="845032" y="886022"/>
-                </a:cubicBezTo>
-                <a:cubicBezTo>
-                  <a:pt x="708439" y="867909"/>
-                  <a:pt x="590961" y="894991"/>
-                  <a:pt x="430966" y="886022"/>
-                </a:cubicBezTo>
-                <a:cubicBezTo>
-                  <a:pt x="270971" y="877053"/>
-                  <a:pt x="151183" y="904472"/>
-                  <a:pt x="0" y="886022"/>
-                </a:cubicBezTo>
-                <a:cubicBezTo>
-                  <a:pt x="102" y="767371"/>
-                  <a:pt x="-21486" y="554460"/>
-                  <a:pt x="0" y="451871"/>
-                </a:cubicBezTo>
-                <a:cubicBezTo>
-                  <a:pt x="21486" y="349282"/>
-                  <a:pt x="8243" y="110678"/>
-                  <a:pt x="0" y="0"/>
-                </a:cubicBezTo>
-                <a:close/>
-              </a:path>
-              <a:path w="845032" h="886022" stroke="0" extrusionOk="0">
+              <a:path w="845032" h="886022" extrusionOk="0">
                 <a:moveTo>
                   <a:pt x="0" y="0"/>
                 </a:moveTo>
@@ -5889,20 +5797,20 @@
             <a:gdLst>
               <a:gd name="connsiteX0" fmla="*/ 0 w 845032"/>
               <a:gd name="connsiteY0" fmla="*/ 0 h 886022"/>
-              <a:gd name="connsiteX1" fmla="*/ 414066 w 845032"/>
+              <a:gd name="connsiteX1" fmla="*/ 397165 w 845032"/>
               <a:gd name="connsiteY1" fmla="*/ 0 h 886022"/>
               <a:gd name="connsiteX2" fmla="*/ 845032 w 845032"/>
               <a:gd name="connsiteY2" fmla="*/ 0 h 886022"/>
               <a:gd name="connsiteX3" fmla="*/ 845032 w 845032"/>
-              <a:gd name="connsiteY3" fmla="*/ 425291 h 886022"/>
+              <a:gd name="connsiteY3" fmla="*/ 416430 h 886022"/>
               <a:gd name="connsiteX4" fmla="*/ 845032 w 845032"/>
               <a:gd name="connsiteY4" fmla="*/ 886022 h 886022"/>
-              <a:gd name="connsiteX5" fmla="*/ 430966 w 845032"/>
+              <a:gd name="connsiteX5" fmla="*/ 439417 w 845032"/>
               <a:gd name="connsiteY5" fmla="*/ 886022 h 886022"/>
               <a:gd name="connsiteX6" fmla="*/ 0 w 845032"/>
               <a:gd name="connsiteY6" fmla="*/ 886022 h 886022"/>
               <a:gd name="connsiteX7" fmla="*/ 0 w 845032"/>
-              <a:gd name="connsiteY7" fmla="*/ 451871 h 886022"/>
+              <a:gd name="connsiteY7" fmla="*/ 469592 h 886022"/>
               <a:gd name="connsiteX8" fmla="*/ 0 w 845032"/>
               <a:gd name="connsiteY8" fmla="*/ 0 h 886022"/>
             </a:gdLst>
@@ -5938,53 +5846,7 @@
             </a:cxnLst>
             <a:rect l="l" t="t" r="r" b="b"/>
             <a:pathLst>
-              <a:path w="845032" h="886022" fill="none" extrusionOk="0">
-                <a:moveTo>
-                  <a:pt x="0" y="0"/>
-                </a:moveTo>
-                <a:cubicBezTo>
-                  <a:pt x="122021" y="3035"/>
-                  <a:pt x="274294" y="18057"/>
-                  <a:pt x="414066" y="0"/>
-                </a:cubicBezTo>
-                <a:cubicBezTo>
-                  <a:pt x="553838" y="-18057"/>
-                  <a:pt x="674226" y="-9406"/>
-                  <a:pt x="845032" y="0"/>
-                </a:cubicBezTo>
-                <a:cubicBezTo>
-                  <a:pt x="845087" y="133736"/>
-                  <a:pt x="865226" y="306832"/>
-                  <a:pt x="845032" y="425291"/>
-                </a:cubicBezTo>
-                <a:cubicBezTo>
-                  <a:pt x="824838" y="543750"/>
-                  <a:pt x="840419" y="683892"/>
-                  <a:pt x="845032" y="886022"/>
-                </a:cubicBezTo>
-                <a:cubicBezTo>
-                  <a:pt x="708439" y="867909"/>
-                  <a:pt x="590961" y="894991"/>
-                  <a:pt x="430966" y="886022"/>
-                </a:cubicBezTo>
-                <a:cubicBezTo>
-                  <a:pt x="270971" y="877053"/>
-                  <a:pt x="151183" y="904472"/>
-                  <a:pt x="0" y="886022"/>
-                </a:cubicBezTo>
-                <a:cubicBezTo>
-                  <a:pt x="102" y="767371"/>
-                  <a:pt x="-21486" y="554460"/>
-                  <a:pt x="0" y="451871"/>
-                </a:cubicBezTo>
-                <a:cubicBezTo>
-                  <a:pt x="21486" y="349282"/>
-                  <a:pt x="8243" y="110678"/>
-                  <a:pt x="0" y="0"/>
-                </a:cubicBezTo>
-                <a:close/>
-              </a:path>
-              <a:path w="845032" h="886022" stroke="0" extrusionOk="0">
+              <a:path w="845032" h="886022" extrusionOk="0">
                 <a:moveTo>
                   <a:pt x="0" y="0"/>
                 </a:moveTo>
@@ -6148,7 +6010,7 @@
                   <a:srgbClr val="FF6600"/>
                 </a:solidFill>
               </a:rPr>
-              <a:t>+4</a:t>
+              <a:t>+3</a:t>
             </a:r>
             <a:endParaRPr lang="en-US" sz="1600" dirty="0"/>
           </a:p>
@@ -6462,9 +6324,8 @@
             <a:r>
               <a:rPr lang="en-US" sz="900" b="1" dirty="0">
                 <a:solidFill>
-                  <a:schemeClr val="tx1">
-                    <a:lumMod val="40000"/>
-                    <a:lumOff val="60000"/>
+                  <a:schemeClr val="bg1">
+                    <a:lumMod val="95000"/>
                   </a:schemeClr>
                 </a:solidFill>
               </a:rPr>
@@ -6505,9 +6366,8 @@
             <a:r>
               <a:rPr lang="en-US" sz="900" b="1" dirty="0">
                 <a:solidFill>
-                  <a:schemeClr val="tx1">
-                    <a:lumMod val="40000"/>
-                    <a:lumOff val="60000"/>
+                  <a:schemeClr val="bg1">
+                    <a:lumMod val="95000"/>
                   </a:schemeClr>
                 </a:solidFill>
               </a:rPr>
@@ -6548,9 +6408,8 @@
             <a:r>
               <a:rPr lang="en-US" sz="900" b="1" dirty="0">
                 <a:solidFill>
-                  <a:schemeClr val="tx1">
-                    <a:lumMod val="40000"/>
-                    <a:lumOff val="60000"/>
+                  <a:schemeClr val="bg1">
+                    <a:lumMod val="95000"/>
                   </a:schemeClr>
                 </a:solidFill>
               </a:rPr>
@@ -6561,10 +6420,10 @@
       </p:sp>
       <p:sp>
         <p:nvSpPr>
-          <p:cNvPr id="31" name="Rectangle 30">
-            <a:extLst>
-              <a:ext uri="{FF2B5EF4-FFF2-40B4-BE49-F238E27FC236}">
-                <a16:creationId xmlns:a16="http://schemas.microsoft.com/office/drawing/2014/main" id="{E0D8485F-6F17-4D64-83C2-2A529C0DED2D}"/>
+          <p:cNvPr id="32" name="Rectangle 31">
+            <a:extLst>
+              <a:ext uri="{FF2B5EF4-FFF2-40B4-BE49-F238E27FC236}">
+                <a16:creationId xmlns:a16="http://schemas.microsoft.com/office/drawing/2014/main" id="{9BBCC2C9-D9AF-4061-9755-30F3A8D6608E}"/>
               </a:ext>
             </a:extLst>
           </p:cNvPr>
@@ -6573,63 +6432,7 @@
         </p:nvSpPr>
         <p:spPr>
           <a:xfrm>
-            <a:off x="239070" y="2547705"/>
-            <a:ext cx="208643" cy="211259"/>
-          </a:xfrm>
-          <a:prstGeom prst="rect">
-            <a:avLst/>
-          </a:prstGeom>
-          <a:noFill/>
-          <a:ln w="28575"/>
-          <a:effectLst>
-            <a:glow rad="139700">
-              <a:schemeClr val="accent1">
-                <a:satMod val="175000"/>
-                <a:alpha val="40000"/>
-              </a:schemeClr>
-            </a:glow>
-          </a:effectLst>
-        </p:spPr>
-        <p:style>
-          <a:lnRef idx="2">
-            <a:schemeClr val="accent1">
-              <a:shade val="50000"/>
-            </a:schemeClr>
-          </a:lnRef>
-          <a:fillRef idx="1">
-            <a:schemeClr val="accent1"/>
-          </a:fillRef>
-          <a:effectRef idx="0">
-            <a:schemeClr val="accent1"/>
-          </a:effectRef>
-          <a:fontRef idx="minor">
-            <a:schemeClr val="lt1"/>
-          </a:fontRef>
-        </p:style>
-        <p:txBody>
-          <a:bodyPr rtlCol="0" anchor="ctr"/>
-          <a:lstStyle/>
-          <a:p>
-            <a:pPr algn="ctr"/>
-            <a:endParaRPr lang="en-US"/>
-          </a:p>
-        </p:txBody>
-      </p:sp>
-      <p:sp>
-        <p:nvSpPr>
-          <p:cNvPr id="32" name="Rectangle 31">
-            <a:extLst>
-              <a:ext uri="{FF2B5EF4-FFF2-40B4-BE49-F238E27FC236}">
-                <a16:creationId xmlns:a16="http://schemas.microsoft.com/office/drawing/2014/main" id="{9BBCC2C9-D9AF-4061-9755-30F3A8D6608E}"/>
-              </a:ext>
-            </a:extLst>
-          </p:cNvPr>
-          <p:cNvSpPr/>
-          <p:nvPr/>
-        </p:nvSpPr>
-        <p:spPr>
-          <a:xfrm>
-            <a:off x="911769" y="2590797"/>
+            <a:off x="239070" y="2580203"/>
             <a:ext cx="208643" cy="211259"/>
           </a:xfrm>
           <a:prstGeom prst="rect">
@@ -6691,7 +6494,7 @@
         </p:nvSpPr>
         <p:spPr>
           <a:xfrm>
-            <a:off x="1561508" y="2606036"/>
+            <a:off x="1694830" y="2604689"/>
             <a:ext cx="208643" cy="211259"/>
           </a:xfrm>
           <a:prstGeom prst="rect">
@@ -6753,14 +6556,20 @@
         </p:nvSpPr>
         <p:spPr>
           <a:xfrm>
-            <a:off x="239071" y="4195473"/>
+            <a:off x="981878" y="3785079"/>
             <a:ext cx="208643" cy="211259"/>
           </a:xfrm>
           <a:prstGeom prst="rect">
             <a:avLst/>
           </a:prstGeom>
           <a:noFill/>
-          <a:ln w="28575"/>
+          <a:ln w="28575">
+            <a:solidFill>
+              <a:schemeClr val="bg2">
+                <a:lumMod val="50000"/>
+              </a:schemeClr>
+            </a:solidFill>
+          </a:ln>
           <a:effectLst>
             <a:glow rad="139700">
               <a:schemeClr val="accent1">
@@ -6809,7 +6618,7 @@
         </p:nvSpPr>
         <p:spPr>
           <a:xfrm>
-            <a:off x="911769" y="4195473"/>
+            <a:off x="226010" y="4195473"/>
             <a:ext cx="208643" cy="211259"/>
           </a:xfrm>
           <a:prstGeom prst="rect">
@@ -6930,7 +6739,7 @@
         </p:nvSpPr>
         <p:spPr>
           <a:xfrm>
-            <a:off x="1542845" y="4195473"/>
+            <a:off x="1689794" y="4161925"/>
             <a:ext cx="208643" cy="211259"/>
           </a:xfrm>
           <a:prstGeom prst="rect">
@@ -6992,7 +6801,7 @@
         </p:nvSpPr>
         <p:spPr>
           <a:xfrm>
-            <a:off x="911769" y="3826819"/>
+            <a:off x="226010" y="3826819"/>
             <a:ext cx="208643" cy="211259"/>
           </a:xfrm>
           <a:prstGeom prst="rect">
@@ -7054,7 +6863,7 @@
         </p:nvSpPr>
         <p:spPr>
           <a:xfrm>
-            <a:off x="911769" y="3470082"/>
+            <a:off x="226010" y="3470082"/>
             <a:ext cx="208643" cy="211259"/>
           </a:xfrm>
           <a:prstGeom prst="rect">
@@ -7116,7 +6925,7 @@
         </p:nvSpPr>
         <p:spPr>
           <a:xfrm>
-            <a:off x="911769" y="2222143"/>
+            <a:off x="239070" y="2216004"/>
             <a:ext cx="208643" cy="211259"/>
           </a:xfrm>
           <a:prstGeom prst="rect">
@@ -7178,14 +6987,20 @@
         </p:nvSpPr>
         <p:spPr>
           <a:xfrm>
-            <a:off x="239070" y="3833124"/>
+            <a:off x="971690" y="4161926"/>
             <a:ext cx="208643" cy="211259"/>
           </a:xfrm>
           <a:prstGeom prst="rect">
             <a:avLst/>
           </a:prstGeom>
           <a:noFill/>
-          <a:ln w="28575"/>
+          <a:ln w="28575">
+            <a:solidFill>
+              <a:schemeClr val="bg2">
+                <a:lumMod val="50000"/>
+              </a:schemeClr>
+            </a:solidFill>
+          </a:ln>
           <a:effectLst>
             <a:glow rad="139700">
               <a:schemeClr val="accent1">
@@ -7217,6 +7032,148 @@
           <a:p>
             <a:pPr algn="ctr"/>
             <a:endParaRPr lang="en-US"/>
+          </a:p>
+        </p:txBody>
+      </p:sp>
+      <p:sp>
+        <p:nvSpPr>
+          <p:cNvPr id="33" name="Rectangle 32">
+            <a:extLst>
+              <a:ext uri="{FF2B5EF4-FFF2-40B4-BE49-F238E27FC236}">
+                <a16:creationId xmlns:a16="http://schemas.microsoft.com/office/drawing/2014/main" id="{847118AC-734B-41F3-881C-D47AD538A5AA}"/>
+              </a:ext>
+            </a:extLst>
+          </p:cNvPr>
+          <p:cNvSpPr/>
+          <p:nvPr/>
+        </p:nvSpPr>
+        <p:spPr>
+          <a:xfrm>
+            <a:off x="463838" y="2143131"/>
+            <a:ext cx="1139552" cy="285738"/>
+          </a:xfrm>
+          <a:prstGeom prst="rect">
+            <a:avLst/>
+          </a:prstGeom>
+          <a:noFill/>
+          <a:ln w="28575">
+            <a:noFill/>
+          </a:ln>
+          <a:effectLst>
+            <a:glow>
+              <a:schemeClr val="accent6">
+                <a:satMod val="175000"/>
+              </a:schemeClr>
+            </a:glow>
+          </a:effectLst>
+        </p:spPr>
+        <p:style>
+          <a:lnRef idx="2">
+            <a:schemeClr val="accent1">
+              <a:shade val="50000"/>
+            </a:schemeClr>
+          </a:lnRef>
+          <a:fillRef idx="1">
+            <a:schemeClr val="accent1"/>
+          </a:fillRef>
+          <a:effectRef idx="0">
+            <a:schemeClr val="accent1"/>
+          </a:effectRef>
+          <a:fontRef idx="minor">
+            <a:schemeClr val="lt1"/>
+          </a:fontRef>
+        </p:style>
+        <p:txBody>
+          <a:bodyPr rtlCol="0" anchor="ctr"/>
+          <a:lstStyle/>
+          <a:p>
+            <a:pPr algn="ctr"/>
+            <a:r>
+              <a:rPr lang="en-US" sz="1200" dirty="0">
+                <a:solidFill>
+                  <a:srgbClr val="FF0000"/>
+                </a:solidFill>
+                <a:effectLst>
+                  <a:glow rad="177800">
+                    <a:schemeClr val="accent6">
+                      <a:alpha val="40000"/>
+                    </a:schemeClr>
+                  </a:glow>
+                </a:effectLst>
+              </a:rPr>
+              <a:t>Thermometer</a:t>
+            </a:r>
+          </a:p>
+        </p:txBody>
+      </p:sp>
+      <p:sp>
+        <p:nvSpPr>
+          <p:cNvPr id="43" name="Rectangle 42">
+            <a:extLst>
+              <a:ext uri="{FF2B5EF4-FFF2-40B4-BE49-F238E27FC236}">
+                <a16:creationId xmlns:a16="http://schemas.microsoft.com/office/drawing/2014/main" id="{ED55D258-9E51-4A36-B6FB-4A3CB24ED19F}"/>
+              </a:ext>
+            </a:extLst>
+          </p:cNvPr>
+          <p:cNvSpPr/>
+          <p:nvPr/>
+        </p:nvSpPr>
+        <p:spPr>
+          <a:xfrm>
+            <a:off x="434653" y="3395249"/>
+            <a:ext cx="768565" cy="285738"/>
+          </a:xfrm>
+          <a:prstGeom prst="rect">
+            <a:avLst/>
+          </a:prstGeom>
+          <a:noFill/>
+          <a:ln w="28575">
+            <a:noFill/>
+          </a:ln>
+          <a:effectLst>
+            <a:glow>
+              <a:schemeClr val="accent6">
+                <a:satMod val="175000"/>
+              </a:schemeClr>
+            </a:glow>
+          </a:effectLst>
+        </p:spPr>
+        <p:style>
+          <a:lnRef idx="2">
+            <a:schemeClr val="accent1">
+              <a:shade val="50000"/>
+            </a:schemeClr>
+          </a:lnRef>
+          <a:fillRef idx="1">
+            <a:schemeClr val="accent1"/>
+          </a:fillRef>
+          <a:effectRef idx="0">
+            <a:schemeClr val="accent1"/>
+          </a:effectRef>
+          <a:fontRef idx="minor">
+            <a:schemeClr val="lt1"/>
+          </a:fontRef>
+        </p:style>
+        <p:txBody>
+          <a:bodyPr rtlCol="0" anchor="ctr"/>
+          <a:lstStyle/>
+          <a:p>
+            <a:pPr algn="ctr"/>
+            <a:r>
+              <a:rPr lang="en-US" sz="1200" dirty="0">
+                <a:solidFill>
+                  <a:srgbClr val="FF0000"/>
+                </a:solidFill>
+                <a:effectLst>
+                  <a:glow rad="177800">
+                    <a:schemeClr val="accent6">
+                      <a:alpha val="40000"/>
+                    </a:schemeClr>
+                  </a:glow>
+                </a:effectLst>
+              </a:rPr>
+              <a:t>Lander</a:t>
+            </a:r>
           </a:p>
         </p:txBody>
       </p:sp>
@@ -7265,7 +7222,7 @@
         <p:spPr>
           <a:xfrm>
             <a:off x="48190" y="70253"/>
-            <a:ext cx="2646813" cy="923330"/>
+            <a:ext cx="2646813" cy="1123384"/>
           </a:xfrm>
           <a:prstGeom prst="rect">
             <a:avLst/>
@@ -7294,13 +7251,13 @@
           </a:p>
           <a:p>
             <a:r>
-              <a:rPr lang="en-US" sz="800" dirty="0">
+              <a:rPr lang="en-US" sz="900" dirty="0">
                 <a:solidFill>
                   <a:schemeClr val="bg1"/>
                 </a:solidFill>
                 <a:latin typeface="Calibri body"/>
               </a:rPr>
-              <a:t>NASA's Galileo spacecraft (from 1995 to 2003) made numerous flybys of Europa. This mission suggested Europa’s ice layer could be slowly churning due to heat from below. </a:t>
+              <a:t>NASA's Galileo spacecraft (from 1995 to 2003) made numerous flybys of Europa. This mission suggested Europa’s ice layer could be slowly churning due to heat from below. Thermal vents on Earth are locations of highly specialized life forms. </a:t>
             </a:r>
           </a:p>
         </p:txBody>
@@ -7319,8 +7276,8 @@
         </p:nvSpPr>
         <p:spPr>
           <a:xfrm>
-            <a:off x="24481" y="1339205"/>
-            <a:ext cx="2646813" cy="1000274"/>
+            <a:off x="36335" y="1399363"/>
+            <a:ext cx="2646813" cy="1369606"/>
           </a:xfrm>
           <a:prstGeom prst="rect">
             <a:avLst/>
@@ -7349,24 +7306,13 @@
           </a:p>
           <a:p>
             <a:r>
-              <a:rPr lang="en-US" sz="800" dirty="0">
+              <a:rPr lang="en-US" sz="900" dirty="0">
                 <a:solidFill>
                   <a:schemeClr val="bg1"/>
                 </a:solidFill>
                 <a:latin typeface="Calibri body"/>
               </a:rPr>
-              <a:t>as much water as all of Earth’s oceans combined! </a:t>
-            </a:r>
-          </a:p>
-          <a:p>
-            <a:r>
-              <a:rPr lang="en-US" sz="800" dirty="0">
-                <a:solidFill>
-                  <a:schemeClr val="bg1"/>
-                </a:solidFill>
-                <a:latin typeface="Calibri body"/>
-              </a:rPr>
-              <a:t>Currently, the clues to the composition of Europa’s ocean come from Earth telescopes collecting spectra, which are like chemical fingerprints encoded in the light reflected by the compounds. Future surface missions to Europa’s maybe able to measure this directly.</a:t>
+              <a:t>Europa’s ocean could have twice as much water as all of Earth’s oceans combined! Currently, the clues to the composition of Europa’s ocean come from Earth telescopes collecting spectra, which are like chemical fingerprints encoded in the light reflected by the compounds. Future surface missions to Europa may be able to measure chemical compounds directly.</a:t>
             </a:r>
           </a:p>
         </p:txBody>
@@ -7385,8 +7331,8 @@
         </p:nvSpPr>
         <p:spPr>
           <a:xfrm>
-            <a:off x="48190" y="2616899"/>
-            <a:ext cx="2646813" cy="1292662"/>
+            <a:off x="36335" y="2916455"/>
+            <a:ext cx="2646813" cy="569387"/>
           </a:xfrm>
           <a:prstGeom prst="rect">
             <a:avLst/>
@@ -7410,40 +7356,19 @@
                 </a:solidFill>
                 <a:latin typeface="Calibri body"/>
               </a:rPr>
-              <a:t>Deploying underwater autonomous </a:t>
+              <a:t>Deploying underwater autonomous vehicles</a:t>
             </a:r>
+          </a:p>
+          <a:p>
             <a:r>
-              <a:rPr lang="en-US" sz="1100" b="1" dirty="0" err="1">
+              <a:rPr lang="en-US" sz="900" dirty="0">
                 <a:solidFill>
                   <a:schemeClr val="bg1"/>
                 </a:solidFill>
                 <a:latin typeface="Calibri body"/>
               </a:rPr>
-              <a:t>vechicles</a:t>
+              <a:t>_______</a:t>
             </a:r>
-            <a:endParaRPr lang="en-US" sz="1100" b="1" dirty="0">
-              <a:solidFill>
-                <a:schemeClr val="bg1"/>
-              </a:solidFill>
-              <a:latin typeface="Calibri body"/>
-            </a:endParaRPr>
-          </a:p>
-          <a:p>
-            <a:r>
-              <a:rPr lang="en-US" sz="800" dirty="0">
-                <a:solidFill>
-                  <a:schemeClr val="bg1"/>
-                </a:solidFill>
-                <a:latin typeface="Calibri body"/>
-              </a:rPr>
-              <a:t>Europa’s water-ice surface contains many long, linear cracks as well as reddish-brown patches. These patches may contain salts and sulfur compounds that have been mixed with the ice and modified by radiation. This surface composition may hold clues to the moon's potential as a habitable world. Collecting samples from the surface will help scientists learn more about Europa’s surface! </a:t>
-            </a:r>
-            <a:endParaRPr lang="en-US" sz="900" dirty="0">
-              <a:solidFill>
-                <a:schemeClr val="bg1"/>
-              </a:solidFill>
-              <a:latin typeface="Calibri body"/>
-            </a:endParaRPr>
           </a:p>
         </p:txBody>
       </p:sp>
@@ -7491,7 +7416,7 @@
         </p:nvSpPr>
         <p:spPr>
           <a:xfrm>
-            <a:off x="63062" y="3000275"/>
+            <a:off x="63062" y="2998903"/>
             <a:ext cx="2172412" cy="1487213"/>
           </a:xfrm>
           <a:custGeom>
@@ -8220,20 +8145,20 @@
             <a:gdLst>
               <a:gd name="connsiteX0" fmla="*/ 0 w 845032"/>
               <a:gd name="connsiteY0" fmla="*/ 0 h 886022"/>
-              <a:gd name="connsiteX1" fmla="*/ 414066 w 845032"/>
+              <a:gd name="connsiteX1" fmla="*/ 397165 w 845032"/>
               <a:gd name="connsiteY1" fmla="*/ 0 h 886022"/>
               <a:gd name="connsiteX2" fmla="*/ 845032 w 845032"/>
               <a:gd name="connsiteY2" fmla="*/ 0 h 886022"/>
               <a:gd name="connsiteX3" fmla="*/ 845032 w 845032"/>
-              <a:gd name="connsiteY3" fmla="*/ 425291 h 886022"/>
+              <a:gd name="connsiteY3" fmla="*/ 416430 h 886022"/>
               <a:gd name="connsiteX4" fmla="*/ 845032 w 845032"/>
               <a:gd name="connsiteY4" fmla="*/ 886022 h 886022"/>
-              <a:gd name="connsiteX5" fmla="*/ 430966 w 845032"/>
+              <a:gd name="connsiteX5" fmla="*/ 439417 w 845032"/>
               <a:gd name="connsiteY5" fmla="*/ 886022 h 886022"/>
               <a:gd name="connsiteX6" fmla="*/ 0 w 845032"/>
               <a:gd name="connsiteY6" fmla="*/ 886022 h 886022"/>
               <a:gd name="connsiteX7" fmla="*/ 0 w 845032"/>
-              <a:gd name="connsiteY7" fmla="*/ 451871 h 886022"/>
+              <a:gd name="connsiteY7" fmla="*/ 469592 h 886022"/>
               <a:gd name="connsiteX8" fmla="*/ 0 w 845032"/>
               <a:gd name="connsiteY8" fmla="*/ 0 h 886022"/>
             </a:gdLst>
@@ -8269,53 +8194,7 @@
             </a:cxnLst>
             <a:rect l="l" t="t" r="r" b="b"/>
             <a:pathLst>
-              <a:path w="845032" h="886022" fill="none" extrusionOk="0">
-                <a:moveTo>
-                  <a:pt x="0" y="0"/>
-                </a:moveTo>
-                <a:cubicBezTo>
-                  <a:pt x="122021" y="3035"/>
-                  <a:pt x="274294" y="18057"/>
-                  <a:pt x="414066" y="0"/>
-                </a:cubicBezTo>
-                <a:cubicBezTo>
-                  <a:pt x="553838" y="-18057"/>
-                  <a:pt x="674226" y="-9406"/>
-                  <a:pt x="845032" y="0"/>
-                </a:cubicBezTo>
-                <a:cubicBezTo>
-                  <a:pt x="845087" y="133736"/>
-                  <a:pt x="865226" y="306832"/>
-                  <a:pt x="845032" y="425291"/>
-                </a:cubicBezTo>
-                <a:cubicBezTo>
-                  <a:pt x="824838" y="543750"/>
-                  <a:pt x="840419" y="683892"/>
-                  <a:pt x="845032" y="886022"/>
-                </a:cubicBezTo>
-                <a:cubicBezTo>
-                  <a:pt x="708439" y="867909"/>
-                  <a:pt x="590961" y="894991"/>
-                  <a:pt x="430966" y="886022"/>
-                </a:cubicBezTo>
-                <a:cubicBezTo>
-                  <a:pt x="270971" y="877053"/>
-                  <a:pt x="151183" y="904472"/>
-                  <a:pt x="0" y="886022"/>
-                </a:cubicBezTo>
-                <a:cubicBezTo>
-                  <a:pt x="102" y="767371"/>
-                  <a:pt x="-21486" y="554460"/>
-                  <a:pt x="0" y="451871"/>
-                </a:cubicBezTo>
-                <a:cubicBezTo>
-                  <a:pt x="21486" y="349282"/>
-                  <a:pt x="8243" y="110678"/>
-                  <a:pt x="0" y="0"/>
-                </a:cubicBezTo>
-                <a:close/>
-              </a:path>
-              <a:path w="845032" h="886022" stroke="0" extrusionOk="0">
+              <a:path w="845032" h="886022" extrusionOk="0">
                 <a:moveTo>
                   <a:pt x="0" y="0"/>
                 </a:moveTo>
@@ -8432,20 +8311,20 @@
             <a:gdLst>
               <a:gd name="connsiteX0" fmla="*/ 0 w 845032"/>
               <a:gd name="connsiteY0" fmla="*/ 0 h 886022"/>
-              <a:gd name="connsiteX1" fmla="*/ 414066 w 845032"/>
+              <a:gd name="connsiteX1" fmla="*/ 397165 w 845032"/>
               <a:gd name="connsiteY1" fmla="*/ 0 h 886022"/>
               <a:gd name="connsiteX2" fmla="*/ 845032 w 845032"/>
               <a:gd name="connsiteY2" fmla="*/ 0 h 886022"/>
               <a:gd name="connsiteX3" fmla="*/ 845032 w 845032"/>
-              <a:gd name="connsiteY3" fmla="*/ 425291 h 886022"/>
+              <a:gd name="connsiteY3" fmla="*/ 416430 h 886022"/>
               <a:gd name="connsiteX4" fmla="*/ 845032 w 845032"/>
               <a:gd name="connsiteY4" fmla="*/ 886022 h 886022"/>
-              <a:gd name="connsiteX5" fmla="*/ 430966 w 845032"/>
+              <a:gd name="connsiteX5" fmla="*/ 439417 w 845032"/>
               <a:gd name="connsiteY5" fmla="*/ 886022 h 886022"/>
               <a:gd name="connsiteX6" fmla="*/ 0 w 845032"/>
               <a:gd name="connsiteY6" fmla="*/ 886022 h 886022"/>
               <a:gd name="connsiteX7" fmla="*/ 0 w 845032"/>
-              <a:gd name="connsiteY7" fmla="*/ 451871 h 886022"/>
+              <a:gd name="connsiteY7" fmla="*/ 469592 h 886022"/>
               <a:gd name="connsiteX8" fmla="*/ 0 w 845032"/>
               <a:gd name="connsiteY8" fmla="*/ 0 h 886022"/>
             </a:gdLst>
@@ -8481,53 +8360,7 @@
             </a:cxnLst>
             <a:rect l="l" t="t" r="r" b="b"/>
             <a:pathLst>
-              <a:path w="845032" h="886022" fill="none" extrusionOk="0">
-                <a:moveTo>
-                  <a:pt x="0" y="0"/>
-                </a:moveTo>
-                <a:cubicBezTo>
-                  <a:pt x="122021" y="3035"/>
-                  <a:pt x="274294" y="18057"/>
-                  <a:pt x="414066" y="0"/>
-                </a:cubicBezTo>
-                <a:cubicBezTo>
-                  <a:pt x="553838" y="-18057"/>
-                  <a:pt x="674226" y="-9406"/>
-                  <a:pt x="845032" y="0"/>
-                </a:cubicBezTo>
-                <a:cubicBezTo>
-                  <a:pt x="845087" y="133736"/>
-                  <a:pt x="865226" y="306832"/>
-                  <a:pt x="845032" y="425291"/>
-                </a:cubicBezTo>
-                <a:cubicBezTo>
-                  <a:pt x="824838" y="543750"/>
-                  <a:pt x="840419" y="683892"/>
-                  <a:pt x="845032" y="886022"/>
-                </a:cubicBezTo>
-                <a:cubicBezTo>
-                  <a:pt x="708439" y="867909"/>
-                  <a:pt x="590961" y="894991"/>
-                  <a:pt x="430966" y="886022"/>
-                </a:cubicBezTo>
-                <a:cubicBezTo>
-                  <a:pt x="270971" y="877053"/>
-                  <a:pt x="151183" y="904472"/>
-                  <a:pt x="0" y="886022"/>
-                </a:cubicBezTo>
-                <a:cubicBezTo>
-                  <a:pt x="102" y="767371"/>
-                  <a:pt x="-21486" y="554460"/>
-                  <a:pt x="0" y="451871"/>
-                </a:cubicBezTo>
-                <a:cubicBezTo>
-                  <a:pt x="21486" y="349282"/>
-                  <a:pt x="8243" y="110678"/>
-                  <a:pt x="0" y="0"/>
-                </a:cubicBezTo>
-                <a:close/>
-              </a:path>
-              <a:path w="845032" h="886022" stroke="0" extrusionOk="0">
+              <a:path w="845032" h="886022" extrusionOk="0">
                 <a:moveTo>
                   <a:pt x="0" y="0"/>
                 </a:moveTo>
@@ -8644,20 +8477,20 @@
             <a:gdLst>
               <a:gd name="connsiteX0" fmla="*/ 0 w 845032"/>
               <a:gd name="connsiteY0" fmla="*/ 0 h 886022"/>
-              <a:gd name="connsiteX1" fmla="*/ 414066 w 845032"/>
+              <a:gd name="connsiteX1" fmla="*/ 397165 w 845032"/>
               <a:gd name="connsiteY1" fmla="*/ 0 h 886022"/>
               <a:gd name="connsiteX2" fmla="*/ 845032 w 845032"/>
               <a:gd name="connsiteY2" fmla="*/ 0 h 886022"/>
               <a:gd name="connsiteX3" fmla="*/ 845032 w 845032"/>
-              <a:gd name="connsiteY3" fmla="*/ 425291 h 886022"/>
+              <a:gd name="connsiteY3" fmla="*/ 416430 h 886022"/>
               <a:gd name="connsiteX4" fmla="*/ 845032 w 845032"/>
               <a:gd name="connsiteY4" fmla="*/ 886022 h 886022"/>
-              <a:gd name="connsiteX5" fmla="*/ 430966 w 845032"/>
+              <a:gd name="connsiteX5" fmla="*/ 439417 w 845032"/>
               <a:gd name="connsiteY5" fmla="*/ 886022 h 886022"/>
               <a:gd name="connsiteX6" fmla="*/ 0 w 845032"/>
               <a:gd name="connsiteY6" fmla="*/ 886022 h 886022"/>
               <a:gd name="connsiteX7" fmla="*/ 0 w 845032"/>
-              <a:gd name="connsiteY7" fmla="*/ 451871 h 886022"/>
+              <a:gd name="connsiteY7" fmla="*/ 469592 h 886022"/>
               <a:gd name="connsiteX8" fmla="*/ 0 w 845032"/>
               <a:gd name="connsiteY8" fmla="*/ 0 h 886022"/>
             </a:gdLst>
@@ -8693,53 +8526,7 @@
             </a:cxnLst>
             <a:rect l="l" t="t" r="r" b="b"/>
             <a:pathLst>
-              <a:path w="845032" h="886022" fill="none" extrusionOk="0">
-                <a:moveTo>
-                  <a:pt x="0" y="0"/>
-                </a:moveTo>
-                <a:cubicBezTo>
-                  <a:pt x="122021" y="3035"/>
-                  <a:pt x="274294" y="18057"/>
-                  <a:pt x="414066" y="0"/>
-                </a:cubicBezTo>
-                <a:cubicBezTo>
-                  <a:pt x="553838" y="-18057"/>
-                  <a:pt x="674226" y="-9406"/>
-                  <a:pt x="845032" y="0"/>
-                </a:cubicBezTo>
-                <a:cubicBezTo>
-                  <a:pt x="845087" y="133736"/>
-                  <a:pt x="865226" y="306832"/>
-                  <a:pt x="845032" y="425291"/>
-                </a:cubicBezTo>
-                <a:cubicBezTo>
-                  <a:pt x="824838" y="543750"/>
-                  <a:pt x="840419" y="683892"/>
-                  <a:pt x="845032" y="886022"/>
-                </a:cubicBezTo>
-                <a:cubicBezTo>
-                  <a:pt x="708439" y="867909"/>
-                  <a:pt x="590961" y="894991"/>
-                  <a:pt x="430966" y="886022"/>
-                </a:cubicBezTo>
-                <a:cubicBezTo>
-                  <a:pt x="270971" y="877053"/>
-                  <a:pt x="151183" y="904472"/>
-                  <a:pt x="0" y="886022"/>
-                </a:cubicBezTo>
-                <a:cubicBezTo>
-                  <a:pt x="102" y="767371"/>
-                  <a:pt x="-21486" y="554460"/>
-                  <a:pt x="0" y="451871"/>
-                </a:cubicBezTo>
-                <a:cubicBezTo>
-                  <a:pt x="21486" y="349282"/>
-                  <a:pt x="8243" y="110678"/>
-                  <a:pt x="0" y="0"/>
-                </a:cubicBezTo>
-                <a:close/>
-              </a:path>
-              <a:path w="845032" h="886022" stroke="0" extrusionOk="0">
+              <a:path w="845032" h="886022" extrusionOk="0">
                 <a:moveTo>
                   <a:pt x="0" y="0"/>
                 </a:moveTo>
@@ -9199,7 +8986,7 @@
         </p:nvSpPr>
         <p:spPr>
           <a:xfrm rot="20800289">
-            <a:off x="52046" y="1168061"/>
+            <a:off x="42764" y="1168061"/>
             <a:ext cx="963289" cy="507831"/>
           </a:xfrm>
           <a:prstGeom prst="rect">
@@ -9217,9 +9004,8 @@
             <a:r>
               <a:rPr lang="en-US" sz="900" b="1" dirty="0">
                 <a:solidFill>
-                  <a:schemeClr val="tx1">
-                    <a:lumMod val="40000"/>
-                    <a:lumOff val="60000"/>
+                  <a:schemeClr val="bg1">
+                    <a:lumMod val="95000"/>
                   </a:schemeClr>
                 </a:solidFill>
               </a:rPr>
@@ -9242,7 +9028,7 @@
         </p:nvSpPr>
         <p:spPr>
           <a:xfrm rot="20716320">
-            <a:off x="874167" y="1231487"/>
+            <a:off x="864885" y="1231487"/>
             <a:ext cx="998766" cy="369332"/>
           </a:xfrm>
           <a:prstGeom prst="rect">
@@ -9260,9 +9046,8 @@
             <a:r>
               <a:rPr lang="en-US" sz="900" b="1" dirty="0">
                 <a:solidFill>
-                  <a:schemeClr val="tx1">
-                    <a:lumMod val="40000"/>
-                    <a:lumOff val="60000"/>
+                  <a:schemeClr val="bg1">
+                    <a:lumMod val="95000"/>
                   </a:schemeClr>
                 </a:solidFill>
               </a:rPr>
@@ -9285,7 +9070,7 @@
         </p:nvSpPr>
         <p:spPr>
           <a:xfrm rot="20629240">
-            <a:off x="1741762" y="1206922"/>
+            <a:off x="1732480" y="1206922"/>
             <a:ext cx="1010410" cy="461665"/>
           </a:xfrm>
           <a:prstGeom prst="rect">
@@ -9303,9 +9088,8 @@
             <a:r>
               <a:rPr lang="en-US" sz="800" b="1" dirty="0">
                 <a:solidFill>
-                  <a:schemeClr val="tx1">
-                    <a:lumMod val="40000"/>
-                    <a:lumOff val="60000"/>
+                  <a:schemeClr val="bg1">
+                    <a:lumMod val="95000"/>
                   </a:schemeClr>
                 </a:solidFill>
               </a:rPr>
@@ -9316,10 +9100,10 @@
       </p:sp>
       <p:sp>
         <p:nvSpPr>
-          <p:cNvPr id="31" name="Rectangle 30">
-            <a:extLst>
-              <a:ext uri="{FF2B5EF4-FFF2-40B4-BE49-F238E27FC236}">
-                <a16:creationId xmlns:a16="http://schemas.microsoft.com/office/drawing/2014/main" id="{E0D8485F-6F17-4D64-83C2-2A529C0DED2D}"/>
+          <p:cNvPr id="32" name="Rectangle 31">
+            <a:extLst>
+              <a:ext uri="{FF2B5EF4-FFF2-40B4-BE49-F238E27FC236}">
+                <a16:creationId xmlns:a16="http://schemas.microsoft.com/office/drawing/2014/main" id="{9BBCC2C9-D9AF-4061-9755-30F3A8D6608E}"/>
               </a:ext>
             </a:extLst>
           </p:cNvPr>
@@ -9328,63 +9112,7 @@
         </p:nvSpPr>
         <p:spPr>
           <a:xfrm>
-            <a:off x="239070" y="2547705"/>
-            <a:ext cx="208643" cy="211259"/>
-          </a:xfrm>
-          <a:prstGeom prst="rect">
-            <a:avLst/>
-          </a:prstGeom>
-          <a:noFill/>
-          <a:ln w="28575"/>
-          <a:effectLst>
-            <a:glow rad="139700">
-              <a:schemeClr val="accent1">
-                <a:satMod val="175000"/>
-                <a:alpha val="40000"/>
-              </a:schemeClr>
-            </a:glow>
-          </a:effectLst>
-        </p:spPr>
-        <p:style>
-          <a:lnRef idx="2">
-            <a:schemeClr val="accent1">
-              <a:shade val="50000"/>
-            </a:schemeClr>
-          </a:lnRef>
-          <a:fillRef idx="1">
-            <a:schemeClr val="accent1"/>
-          </a:fillRef>
-          <a:effectRef idx="0">
-            <a:schemeClr val="accent1"/>
-          </a:effectRef>
-          <a:fontRef idx="minor">
-            <a:schemeClr val="lt1"/>
-          </a:fontRef>
-        </p:style>
-        <p:txBody>
-          <a:bodyPr rtlCol="0" anchor="ctr"/>
-          <a:lstStyle/>
-          <a:p>
-            <a:pPr algn="ctr"/>
-            <a:endParaRPr lang="en-US"/>
-          </a:p>
-        </p:txBody>
-      </p:sp>
-      <p:sp>
-        <p:nvSpPr>
-          <p:cNvPr id="32" name="Rectangle 31">
-            <a:extLst>
-              <a:ext uri="{FF2B5EF4-FFF2-40B4-BE49-F238E27FC236}">
-                <a16:creationId xmlns:a16="http://schemas.microsoft.com/office/drawing/2014/main" id="{9BBCC2C9-D9AF-4061-9755-30F3A8D6608E}"/>
-              </a:ext>
-            </a:extLst>
-          </p:cNvPr>
-          <p:cNvSpPr/>
-          <p:nvPr/>
-        </p:nvSpPr>
-        <p:spPr>
-          <a:xfrm>
-            <a:off x="911769" y="2590797"/>
+            <a:off x="255908" y="2578633"/>
             <a:ext cx="208643" cy="211259"/>
           </a:xfrm>
           <a:prstGeom prst="rect">
@@ -9446,7 +9174,7 @@
         </p:nvSpPr>
         <p:spPr>
           <a:xfrm>
-            <a:off x="1561508" y="2606036"/>
+            <a:off x="1711868" y="2590673"/>
             <a:ext cx="208643" cy="211259"/>
           </a:xfrm>
           <a:prstGeom prst="rect">
@@ -9508,14 +9236,20 @@
         </p:nvSpPr>
         <p:spPr>
           <a:xfrm>
-            <a:off x="239071" y="4150441"/>
+            <a:off x="1021178" y="4084118"/>
             <a:ext cx="208643" cy="211259"/>
           </a:xfrm>
           <a:prstGeom prst="rect">
             <a:avLst/>
           </a:prstGeom>
           <a:noFill/>
-          <a:ln w="28575"/>
+          <a:ln w="28575">
+            <a:solidFill>
+              <a:schemeClr val="bg2">
+                <a:lumMod val="50000"/>
+              </a:schemeClr>
+            </a:solidFill>
+          </a:ln>
           <a:effectLst>
             <a:glow rad="139700">
               <a:schemeClr val="accent1">
@@ -9564,7 +9298,7 @@
         </p:nvSpPr>
         <p:spPr>
           <a:xfrm>
-            <a:off x="911769" y="4150441"/>
+            <a:off x="267554" y="4120362"/>
             <a:ext cx="208643" cy="211259"/>
           </a:xfrm>
           <a:prstGeom prst="rect">
@@ -9685,7 +9419,7 @@
         </p:nvSpPr>
         <p:spPr>
           <a:xfrm>
-            <a:off x="1542845" y="4150441"/>
+            <a:off x="1718311" y="4120362"/>
             <a:ext cx="208643" cy="211259"/>
           </a:xfrm>
           <a:prstGeom prst="rect">
@@ -9747,7 +9481,7 @@
         </p:nvSpPr>
         <p:spPr>
           <a:xfrm>
-            <a:off x="911769" y="3781787"/>
+            <a:off x="267554" y="3751708"/>
             <a:ext cx="208643" cy="211259"/>
           </a:xfrm>
           <a:prstGeom prst="rect">
@@ -9797,10 +9531,10 @@
       </p:sp>
       <p:sp>
         <p:nvSpPr>
-          <p:cNvPr id="40" name="Rectangle 39">
-            <a:extLst>
-              <a:ext uri="{FF2B5EF4-FFF2-40B4-BE49-F238E27FC236}">
-                <a16:creationId xmlns:a16="http://schemas.microsoft.com/office/drawing/2014/main" id="{EBE66458-3073-4365-8005-FD44A5357DB4}"/>
+          <p:cNvPr id="41" name="Rectangle 40">
+            <a:extLst>
+              <a:ext uri="{FF2B5EF4-FFF2-40B4-BE49-F238E27FC236}">
+                <a16:creationId xmlns:a16="http://schemas.microsoft.com/office/drawing/2014/main" id="{74D8BD84-7C33-437D-811B-B1208521FE04}"/>
               </a:ext>
             </a:extLst>
           </p:cNvPr>
@@ -9809,7 +9543,7 @@
         </p:nvSpPr>
         <p:spPr>
           <a:xfrm>
-            <a:off x="911769" y="3425050"/>
+            <a:off x="255908" y="2206838"/>
             <a:ext cx="208643" cy="211259"/>
           </a:xfrm>
           <a:prstGeom prst="rect">
@@ -9859,10 +9593,10 @@
       </p:sp>
       <p:sp>
         <p:nvSpPr>
-          <p:cNvPr id="41" name="Rectangle 40">
-            <a:extLst>
-              <a:ext uri="{FF2B5EF4-FFF2-40B4-BE49-F238E27FC236}">
-                <a16:creationId xmlns:a16="http://schemas.microsoft.com/office/drawing/2014/main" id="{74D8BD84-7C33-437D-811B-B1208521FE04}"/>
+          <p:cNvPr id="33" name="Rectangle 32">
+            <a:extLst>
+              <a:ext uri="{FF2B5EF4-FFF2-40B4-BE49-F238E27FC236}">
+                <a16:creationId xmlns:a16="http://schemas.microsoft.com/office/drawing/2014/main" id="{EA3AA2D0-5216-4EFB-BA17-B8C1C988EE41}"/>
               </a:ext>
             </a:extLst>
           </p:cNvPr>
@@ -9871,7 +9605,7 @@
         </p:nvSpPr>
         <p:spPr>
           <a:xfrm>
-            <a:off x="911769" y="2222143"/>
+            <a:off x="1718311" y="3732249"/>
             <a:ext cx="208643" cy="211259"/>
           </a:xfrm>
           <a:prstGeom prst="rect">
@@ -9880,14 +9614,14 @@
           <a:noFill/>
           <a:ln w="28575">
             <a:solidFill>
-              <a:schemeClr val="accent6">
+              <a:schemeClr val="accent3">
                 <a:lumMod val="75000"/>
               </a:schemeClr>
             </a:solidFill>
           </a:ln>
           <a:effectLst>
             <a:glow rad="139700">
-              <a:schemeClr val="accent6">
+              <a:schemeClr val="accent3">
                 <a:satMod val="175000"/>
                 <a:alpha val="40000"/>
               </a:schemeClr>
@@ -9921,10 +9655,10 @@
       </p:sp>
       <p:sp>
         <p:nvSpPr>
-          <p:cNvPr id="42" name="Rectangle 41">
-            <a:extLst>
-              <a:ext uri="{FF2B5EF4-FFF2-40B4-BE49-F238E27FC236}">
-                <a16:creationId xmlns:a16="http://schemas.microsoft.com/office/drawing/2014/main" id="{0993C99A-C956-4658-A07D-1345CD14EDE6}"/>
+          <p:cNvPr id="43" name="Rectangle 42">
+            <a:extLst>
+              <a:ext uri="{FF2B5EF4-FFF2-40B4-BE49-F238E27FC236}">
+                <a16:creationId xmlns:a16="http://schemas.microsoft.com/office/drawing/2014/main" id="{FF25F164-C505-4BC2-8619-80877E2E77C9}"/>
               </a:ext>
             </a:extLst>
           </p:cNvPr>
@@ -9933,17 +9667,227 @@
         </p:nvSpPr>
         <p:spPr>
           <a:xfrm>
-            <a:off x="239070" y="3788092"/>
-            <a:ext cx="208643" cy="211259"/>
+            <a:off x="-24054" y="3354882"/>
+            <a:ext cx="768565" cy="285738"/>
           </a:xfrm>
           <a:prstGeom prst="rect">
             <a:avLst/>
           </a:prstGeom>
           <a:noFill/>
-          <a:ln w="28575"/>
+          <a:ln w="28575">
+            <a:noFill/>
+          </a:ln>
+          <a:effectLst>
+            <a:glow>
+              <a:schemeClr val="accent6">
+                <a:satMod val="175000"/>
+              </a:schemeClr>
+            </a:glow>
+          </a:effectLst>
+        </p:spPr>
+        <p:style>
+          <a:lnRef idx="2">
+            <a:schemeClr val="accent1">
+              <a:shade val="50000"/>
+            </a:schemeClr>
+          </a:lnRef>
+          <a:fillRef idx="1">
+            <a:schemeClr val="accent1"/>
+          </a:fillRef>
+          <a:effectRef idx="0">
+            <a:schemeClr val="accent1"/>
+          </a:effectRef>
+          <a:fontRef idx="minor">
+            <a:schemeClr val="lt1"/>
+          </a:fontRef>
+        </p:style>
+        <p:txBody>
+          <a:bodyPr rtlCol="0" anchor="ctr"/>
+          <a:lstStyle/>
+          <a:p>
+            <a:pPr algn="ctr"/>
+            <a:r>
+              <a:rPr lang="en-US" sz="1200" dirty="0">
+                <a:solidFill>
+                  <a:srgbClr val="FF0000"/>
+                </a:solidFill>
+                <a:effectLst>
+                  <a:glow rad="177800">
+                    <a:schemeClr val="accent6">
+                      <a:alpha val="40000"/>
+                    </a:schemeClr>
+                  </a:glow>
+                </a:effectLst>
+              </a:rPr>
+              <a:t>Drill</a:t>
+            </a:r>
+          </a:p>
+        </p:txBody>
+      </p:sp>
+      <p:sp>
+        <p:nvSpPr>
+          <p:cNvPr id="44" name="Rectangle 43">
+            <a:extLst>
+              <a:ext uri="{FF2B5EF4-FFF2-40B4-BE49-F238E27FC236}">
+                <a16:creationId xmlns:a16="http://schemas.microsoft.com/office/drawing/2014/main" id="{D0267BF0-F823-42A6-A8A1-F6986FBD9C6B}"/>
+              </a:ext>
+            </a:extLst>
+          </p:cNvPr>
+          <p:cNvSpPr/>
+          <p:nvPr/>
+        </p:nvSpPr>
+        <p:spPr>
+          <a:xfrm>
+            <a:off x="255908" y="2151569"/>
+            <a:ext cx="1009327" cy="285738"/>
+          </a:xfrm>
+          <a:prstGeom prst="rect">
+            <a:avLst/>
+          </a:prstGeom>
+          <a:noFill/>
+          <a:ln w="28575">
+            <a:noFill/>
+          </a:ln>
+          <a:effectLst>
+            <a:glow>
+              <a:schemeClr val="accent6">
+                <a:satMod val="175000"/>
+              </a:schemeClr>
+            </a:glow>
+          </a:effectLst>
+        </p:spPr>
+        <p:style>
+          <a:lnRef idx="2">
+            <a:schemeClr val="accent1">
+              <a:shade val="50000"/>
+            </a:schemeClr>
+          </a:lnRef>
+          <a:fillRef idx="1">
+            <a:schemeClr val="accent1"/>
+          </a:fillRef>
+          <a:effectRef idx="0">
+            <a:schemeClr val="accent1"/>
+          </a:effectRef>
+          <a:fontRef idx="minor">
+            <a:schemeClr val="lt1"/>
+          </a:fontRef>
+        </p:style>
+        <p:txBody>
+          <a:bodyPr rtlCol="0" anchor="ctr"/>
+          <a:lstStyle/>
+          <a:p>
+            <a:pPr algn="ctr"/>
+            <a:r>
+              <a:rPr lang="en-US" sz="1200" dirty="0">
+                <a:solidFill>
+                  <a:srgbClr val="FF0000"/>
+                </a:solidFill>
+                <a:effectLst>
+                  <a:glow rad="177800">
+                    <a:schemeClr val="accent6">
+                      <a:alpha val="40000"/>
+                    </a:schemeClr>
+                  </a:glow>
+                </a:effectLst>
+              </a:rPr>
+              <a:t>Lidar</a:t>
+            </a:r>
+          </a:p>
+        </p:txBody>
+      </p:sp>
+      <p:sp>
+        <p:nvSpPr>
+          <p:cNvPr id="45" name="Rectangle 44">
+            <a:extLst>
+              <a:ext uri="{FF2B5EF4-FFF2-40B4-BE49-F238E27FC236}">
+                <a16:creationId xmlns:a16="http://schemas.microsoft.com/office/drawing/2014/main" id="{C3E63A24-4A59-4195-8E9A-D179BF3B97D3}"/>
+              </a:ext>
+            </a:extLst>
+          </p:cNvPr>
+          <p:cNvSpPr/>
+          <p:nvPr/>
+        </p:nvSpPr>
+        <p:spPr>
+          <a:xfrm>
+            <a:off x="1713804" y="2226048"/>
+            <a:ext cx="208643" cy="211259"/>
+          </a:xfrm>
+          <a:prstGeom prst="rect">
+            <a:avLst/>
+          </a:prstGeom>
+          <a:noFill/>
+          <a:ln w="28575">
+            <a:solidFill>
+              <a:schemeClr val="accent3">
+                <a:lumMod val="75000"/>
+              </a:schemeClr>
+            </a:solidFill>
+          </a:ln>
           <a:effectLst>
             <a:glow rad="139700">
-              <a:schemeClr val="accent1">
+              <a:schemeClr val="accent3">
+                <a:satMod val="175000"/>
+                <a:alpha val="40000"/>
+              </a:schemeClr>
+            </a:glow>
+          </a:effectLst>
+        </p:spPr>
+        <p:style>
+          <a:lnRef idx="2">
+            <a:schemeClr val="accent1">
+              <a:shade val="50000"/>
+            </a:schemeClr>
+          </a:lnRef>
+          <a:fillRef idx="1">
+            <a:schemeClr val="accent1"/>
+          </a:fillRef>
+          <a:effectRef idx="0">
+            <a:schemeClr val="accent1"/>
+          </a:effectRef>
+          <a:fontRef idx="minor">
+            <a:schemeClr val="lt1"/>
+          </a:fontRef>
+        </p:style>
+        <p:txBody>
+          <a:bodyPr rtlCol="0" anchor="ctr"/>
+          <a:lstStyle/>
+          <a:p>
+            <a:pPr algn="ctr"/>
+            <a:endParaRPr lang="en-US"/>
+          </a:p>
+        </p:txBody>
+      </p:sp>
+      <p:sp>
+        <p:nvSpPr>
+          <p:cNvPr id="46" name="Rectangle 45">
+            <a:extLst>
+              <a:ext uri="{FF2B5EF4-FFF2-40B4-BE49-F238E27FC236}">
+                <a16:creationId xmlns:a16="http://schemas.microsoft.com/office/drawing/2014/main" id="{AC6EB48A-A209-4ABF-83DE-D5AD04BA5346}"/>
+              </a:ext>
+            </a:extLst>
+          </p:cNvPr>
+          <p:cNvSpPr/>
+          <p:nvPr/>
+        </p:nvSpPr>
+        <p:spPr>
+          <a:xfrm>
+            <a:off x="1718311" y="3344136"/>
+            <a:ext cx="208643" cy="211259"/>
+          </a:xfrm>
+          <a:prstGeom prst="rect">
+            <a:avLst/>
+          </a:prstGeom>
+          <a:noFill/>
+          <a:ln w="28575">
+            <a:solidFill>
+              <a:schemeClr val="accent3">
+                <a:lumMod val="75000"/>
+              </a:schemeClr>
+            </a:solidFill>
+          </a:ln>
+          <a:effectLst>
+            <a:glow rad="139700">
+              <a:schemeClr val="accent3">
                 <a:satMod val="175000"/>
                 <a:alpha val="40000"/>
               </a:schemeClr>
@@ -10055,7 +9999,7 @@
                 </a:solidFill>
                 <a:latin typeface="Calibri body"/>
               </a:rPr>
-              <a:t>   Life has three requirements: water, energy and chemical elements. Scientists believe that Europa has the potential to have all three. The essential elements required for life include carbon, hydrogen, nitrogen, oxygen, phosphorus and sulfur. Researchers believe that Europa had all three elements when it was formed as well as from asteroid and comet impacts. Studying Europa’s surface and suspected ocean chemistry is important for understanding its ability to support life. </a:t>
+              <a:t>Life, as we know it, has three requirements: water, energy and chemical elements. Scientists believe that Europa has the potential to have all three. The essential elements required for life include carbon, hydrogen, nitrogen, oxygen, phosphorus and sulfur. Researchers believe that Europa had all three elements when it was formed, as well as gaining them from asteroid and comet impacts. Studying Europa’s surface and suspected ocean chemistry is important for understanding its ability to support life. </a:t>
             </a:r>
           </a:p>
         </p:txBody>
@@ -10110,7 +10054,7 @@
                 </a:solidFill>
                 <a:latin typeface="Calibri body"/>
               </a:rPr>
-              <a:t>Scientists think Europa’s ice shell is 10 to 15 miles thick, floating on an ocean 40 to 100 miles deep. This means that its ocean may contain twice as much water as all of Earth’s oceans combined! </a:t>
+              <a:t>Scientists think Europa’s ice shell is 15 to 25 km thick, floating on an ocean 100 to 200 km deep. This means that its ocean may contain twice as much water as all of Earth’s oceans combined! </a:t>
             </a:r>
           </a:p>
         </p:txBody>
@@ -10130,7 +10074,7 @@
         <p:spPr>
           <a:xfrm>
             <a:off x="84706" y="2839754"/>
-            <a:ext cx="2573787" cy="1661993"/>
+            <a:ext cx="2573787" cy="1523494"/>
           </a:xfrm>
           <a:prstGeom prst="rect">
             <a:avLst/>
@@ -10165,7 +10109,7 @@
                 </a:solidFill>
                 <a:latin typeface="Calibri body"/>
               </a:rPr>
-              <a:t>Europa’s water-ice surface contains many long, linear cracks. Along these fracture  and in splotchy patterns across its surface are reddish-brown patches. These patches may contain salts and sulfur compounds that have been mixed with the ice and modified by radiation. This surface composition may hold clues to the moon's potential as a habitable world. Collecting samples will help scientists learn more about Europa’s surface! </a:t>
+              <a:t>Europa’s water-ice surface contains many long, linear cracks. Along these fractures, in splotchy patterns across its surface, are reddish-brown patches. These patches may contain salts and sulfur compounds that have been mixed with the ice and modified by radiation. This surface composition may hold clues to the moon's potential as a habitable world! Collecting samples from the surface will help scientists learn.</a:t>
             </a:r>
             <a:endParaRPr lang="en-US" sz="1000" dirty="0">
               <a:solidFill>
@@ -10949,20 +10893,20 @@
             <a:gdLst>
               <a:gd name="connsiteX0" fmla="*/ 0 w 845032"/>
               <a:gd name="connsiteY0" fmla="*/ 0 h 886022"/>
-              <a:gd name="connsiteX1" fmla="*/ 414066 w 845032"/>
+              <a:gd name="connsiteX1" fmla="*/ 397165 w 845032"/>
               <a:gd name="connsiteY1" fmla="*/ 0 h 886022"/>
               <a:gd name="connsiteX2" fmla="*/ 845032 w 845032"/>
               <a:gd name="connsiteY2" fmla="*/ 0 h 886022"/>
               <a:gd name="connsiteX3" fmla="*/ 845032 w 845032"/>
-              <a:gd name="connsiteY3" fmla="*/ 425291 h 886022"/>
+              <a:gd name="connsiteY3" fmla="*/ 416430 h 886022"/>
               <a:gd name="connsiteX4" fmla="*/ 845032 w 845032"/>
               <a:gd name="connsiteY4" fmla="*/ 886022 h 886022"/>
-              <a:gd name="connsiteX5" fmla="*/ 430966 w 845032"/>
+              <a:gd name="connsiteX5" fmla="*/ 439417 w 845032"/>
               <a:gd name="connsiteY5" fmla="*/ 886022 h 886022"/>
               <a:gd name="connsiteX6" fmla="*/ 0 w 845032"/>
               <a:gd name="connsiteY6" fmla="*/ 886022 h 886022"/>
               <a:gd name="connsiteX7" fmla="*/ 0 w 845032"/>
-              <a:gd name="connsiteY7" fmla="*/ 451871 h 886022"/>
+              <a:gd name="connsiteY7" fmla="*/ 469592 h 886022"/>
               <a:gd name="connsiteX8" fmla="*/ 0 w 845032"/>
               <a:gd name="connsiteY8" fmla="*/ 0 h 886022"/>
             </a:gdLst>
@@ -10998,53 +10942,7 @@
             </a:cxnLst>
             <a:rect l="l" t="t" r="r" b="b"/>
             <a:pathLst>
-              <a:path w="845032" h="886022" fill="none" extrusionOk="0">
-                <a:moveTo>
-                  <a:pt x="0" y="0"/>
-                </a:moveTo>
-                <a:cubicBezTo>
-                  <a:pt x="122021" y="3035"/>
-                  <a:pt x="274294" y="18057"/>
-                  <a:pt x="414066" y="0"/>
-                </a:cubicBezTo>
-                <a:cubicBezTo>
-                  <a:pt x="553838" y="-18057"/>
-                  <a:pt x="674226" y="-9406"/>
-                  <a:pt x="845032" y="0"/>
-                </a:cubicBezTo>
-                <a:cubicBezTo>
-                  <a:pt x="845087" y="133736"/>
-                  <a:pt x="865226" y="306832"/>
-                  <a:pt x="845032" y="425291"/>
-                </a:cubicBezTo>
-                <a:cubicBezTo>
-                  <a:pt x="824838" y="543750"/>
-                  <a:pt x="840419" y="683892"/>
-                  <a:pt x="845032" y="886022"/>
-                </a:cubicBezTo>
-                <a:cubicBezTo>
-                  <a:pt x="708439" y="867909"/>
-                  <a:pt x="590961" y="894991"/>
-                  <a:pt x="430966" y="886022"/>
-                </a:cubicBezTo>
-                <a:cubicBezTo>
-                  <a:pt x="270971" y="877053"/>
-                  <a:pt x="151183" y="904472"/>
-                  <a:pt x="0" y="886022"/>
-                </a:cubicBezTo>
-                <a:cubicBezTo>
-                  <a:pt x="102" y="767371"/>
-                  <a:pt x="-21486" y="554460"/>
-                  <a:pt x="0" y="451871"/>
-                </a:cubicBezTo>
-                <a:cubicBezTo>
-                  <a:pt x="21486" y="349282"/>
-                  <a:pt x="8243" y="110678"/>
-                  <a:pt x="0" y="0"/>
-                </a:cubicBezTo>
-                <a:close/>
-              </a:path>
-              <a:path w="845032" h="886022" stroke="0" extrusionOk="0">
+              <a:path w="845032" h="886022" extrusionOk="0">
                 <a:moveTo>
                   <a:pt x="0" y="0"/>
                 </a:moveTo>
@@ -11161,20 +11059,20 @@
             <a:gdLst>
               <a:gd name="connsiteX0" fmla="*/ 0 w 845032"/>
               <a:gd name="connsiteY0" fmla="*/ 0 h 886022"/>
-              <a:gd name="connsiteX1" fmla="*/ 414066 w 845032"/>
+              <a:gd name="connsiteX1" fmla="*/ 397165 w 845032"/>
               <a:gd name="connsiteY1" fmla="*/ 0 h 886022"/>
               <a:gd name="connsiteX2" fmla="*/ 845032 w 845032"/>
               <a:gd name="connsiteY2" fmla="*/ 0 h 886022"/>
               <a:gd name="connsiteX3" fmla="*/ 845032 w 845032"/>
-              <a:gd name="connsiteY3" fmla="*/ 425291 h 886022"/>
+              <a:gd name="connsiteY3" fmla="*/ 416430 h 886022"/>
               <a:gd name="connsiteX4" fmla="*/ 845032 w 845032"/>
               <a:gd name="connsiteY4" fmla="*/ 886022 h 886022"/>
-              <a:gd name="connsiteX5" fmla="*/ 430966 w 845032"/>
+              <a:gd name="connsiteX5" fmla="*/ 439417 w 845032"/>
               <a:gd name="connsiteY5" fmla="*/ 886022 h 886022"/>
               <a:gd name="connsiteX6" fmla="*/ 0 w 845032"/>
               <a:gd name="connsiteY6" fmla="*/ 886022 h 886022"/>
               <a:gd name="connsiteX7" fmla="*/ 0 w 845032"/>
-              <a:gd name="connsiteY7" fmla="*/ 451871 h 886022"/>
+              <a:gd name="connsiteY7" fmla="*/ 469592 h 886022"/>
               <a:gd name="connsiteX8" fmla="*/ 0 w 845032"/>
               <a:gd name="connsiteY8" fmla="*/ 0 h 886022"/>
             </a:gdLst>
@@ -11210,53 +11108,7 @@
             </a:cxnLst>
             <a:rect l="l" t="t" r="r" b="b"/>
             <a:pathLst>
-              <a:path w="845032" h="886022" fill="none" extrusionOk="0">
-                <a:moveTo>
-                  <a:pt x="0" y="0"/>
-                </a:moveTo>
-                <a:cubicBezTo>
-                  <a:pt x="122021" y="3035"/>
-                  <a:pt x="274294" y="18057"/>
-                  <a:pt x="414066" y="0"/>
-                </a:cubicBezTo>
-                <a:cubicBezTo>
-                  <a:pt x="553838" y="-18057"/>
-                  <a:pt x="674226" y="-9406"/>
-                  <a:pt x="845032" y="0"/>
-                </a:cubicBezTo>
-                <a:cubicBezTo>
-                  <a:pt x="845087" y="133736"/>
-                  <a:pt x="865226" y="306832"/>
-                  <a:pt x="845032" y="425291"/>
-                </a:cubicBezTo>
-                <a:cubicBezTo>
-                  <a:pt x="824838" y="543750"/>
-                  <a:pt x="840419" y="683892"/>
-                  <a:pt x="845032" y="886022"/>
-                </a:cubicBezTo>
-                <a:cubicBezTo>
-                  <a:pt x="708439" y="867909"/>
-                  <a:pt x="590961" y="894991"/>
-                  <a:pt x="430966" y="886022"/>
-                </a:cubicBezTo>
-                <a:cubicBezTo>
-                  <a:pt x="270971" y="877053"/>
-                  <a:pt x="151183" y="904472"/>
-                  <a:pt x="0" y="886022"/>
-                </a:cubicBezTo>
-                <a:cubicBezTo>
-                  <a:pt x="102" y="767371"/>
-                  <a:pt x="-21486" y="554460"/>
-                  <a:pt x="0" y="451871"/>
-                </a:cubicBezTo>
-                <a:cubicBezTo>
-                  <a:pt x="21486" y="349282"/>
-                  <a:pt x="8243" y="110678"/>
-                  <a:pt x="0" y="0"/>
-                </a:cubicBezTo>
-                <a:close/>
-              </a:path>
-              <a:path w="845032" h="886022" stroke="0" extrusionOk="0">
+              <a:path w="845032" h="886022" extrusionOk="0">
                 <a:moveTo>
                   <a:pt x="0" y="0"/>
                 </a:moveTo>
@@ -11373,20 +11225,20 @@
             <a:gdLst>
               <a:gd name="connsiteX0" fmla="*/ 0 w 845032"/>
               <a:gd name="connsiteY0" fmla="*/ 0 h 886022"/>
-              <a:gd name="connsiteX1" fmla="*/ 414066 w 845032"/>
+              <a:gd name="connsiteX1" fmla="*/ 397165 w 845032"/>
               <a:gd name="connsiteY1" fmla="*/ 0 h 886022"/>
               <a:gd name="connsiteX2" fmla="*/ 845032 w 845032"/>
               <a:gd name="connsiteY2" fmla="*/ 0 h 886022"/>
               <a:gd name="connsiteX3" fmla="*/ 845032 w 845032"/>
-              <a:gd name="connsiteY3" fmla="*/ 425291 h 886022"/>
+              <a:gd name="connsiteY3" fmla="*/ 416430 h 886022"/>
               <a:gd name="connsiteX4" fmla="*/ 845032 w 845032"/>
               <a:gd name="connsiteY4" fmla="*/ 886022 h 886022"/>
-              <a:gd name="connsiteX5" fmla="*/ 430966 w 845032"/>
+              <a:gd name="connsiteX5" fmla="*/ 439417 w 845032"/>
               <a:gd name="connsiteY5" fmla="*/ 886022 h 886022"/>
               <a:gd name="connsiteX6" fmla="*/ 0 w 845032"/>
               <a:gd name="connsiteY6" fmla="*/ 886022 h 886022"/>
               <a:gd name="connsiteX7" fmla="*/ 0 w 845032"/>
-              <a:gd name="connsiteY7" fmla="*/ 451871 h 886022"/>
+              <a:gd name="connsiteY7" fmla="*/ 469592 h 886022"/>
               <a:gd name="connsiteX8" fmla="*/ 0 w 845032"/>
               <a:gd name="connsiteY8" fmla="*/ 0 h 886022"/>
             </a:gdLst>
@@ -11422,53 +11274,7 @@
             </a:cxnLst>
             <a:rect l="l" t="t" r="r" b="b"/>
             <a:pathLst>
-              <a:path w="845032" h="886022" fill="none" extrusionOk="0">
-                <a:moveTo>
-                  <a:pt x="0" y="0"/>
-                </a:moveTo>
-                <a:cubicBezTo>
-                  <a:pt x="122021" y="3035"/>
-                  <a:pt x="274294" y="18057"/>
-                  <a:pt x="414066" y="0"/>
-                </a:cubicBezTo>
-                <a:cubicBezTo>
-                  <a:pt x="553838" y="-18057"/>
-                  <a:pt x="674226" y="-9406"/>
-                  <a:pt x="845032" y="0"/>
-                </a:cubicBezTo>
-                <a:cubicBezTo>
-                  <a:pt x="845087" y="133736"/>
-                  <a:pt x="865226" y="306832"/>
-                  <a:pt x="845032" y="425291"/>
-                </a:cubicBezTo>
-                <a:cubicBezTo>
-                  <a:pt x="824838" y="543750"/>
-                  <a:pt x="840419" y="683892"/>
-                  <a:pt x="845032" y="886022"/>
-                </a:cubicBezTo>
-                <a:cubicBezTo>
-                  <a:pt x="708439" y="867909"/>
-                  <a:pt x="590961" y="894991"/>
-                  <a:pt x="430966" y="886022"/>
-                </a:cubicBezTo>
-                <a:cubicBezTo>
-                  <a:pt x="270971" y="877053"/>
-                  <a:pt x="151183" y="904472"/>
-                  <a:pt x="0" y="886022"/>
-                </a:cubicBezTo>
-                <a:cubicBezTo>
-                  <a:pt x="102" y="767371"/>
-                  <a:pt x="-21486" y="554460"/>
-                  <a:pt x="0" y="451871"/>
-                </a:cubicBezTo>
-                <a:cubicBezTo>
-                  <a:pt x="21486" y="349282"/>
-                  <a:pt x="8243" y="110678"/>
-                  <a:pt x="0" y="0"/>
-                </a:cubicBezTo>
-                <a:close/>
-              </a:path>
-              <a:path w="845032" h="886022" stroke="0" extrusionOk="0">
+              <a:path w="845032" h="886022" extrusionOk="0">
                 <a:moveTo>
                   <a:pt x="0" y="0"/>
                 </a:moveTo>
@@ -11893,8 +11699,8 @@
         </p:nvSpPr>
         <p:spPr>
           <a:xfrm rot="20800289">
-            <a:off x="26066" y="1160270"/>
-            <a:ext cx="963289" cy="507831"/>
+            <a:off x="24046" y="1109875"/>
+            <a:ext cx="963289" cy="646331"/>
           </a:xfrm>
           <a:prstGeom prst="rect">
             <a:avLst/>
@@ -11911,13 +11717,12 @@
             <a:r>
               <a:rPr lang="en-US" sz="900" b="1" dirty="0">
                 <a:solidFill>
-                  <a:schemeClr val="tx1">
-                    <a:lumMod val="40000"/>
-                    <a:lumOff val="60000"/>
+                  <a:schemeClr val="bg1">
+                    <a:lumMod val="95000"/>
                   </a:schemeClr>
                 </a:solidFill>
               </a:rPr>
-              <a:t>Bring back extraterrestrial life to earth!</a:t>
+              <a:t>Release extraterrestrial microbes on Earth!</a:t>
             </a:r>
           </a:p>
         </p:txBody>
@@ -11954,9 +11759,8 @@
             <a:r>
               <a:rPr lang="en-US" sz="900" b="1" dirty="0">
                 <a:solidFill>
-                  <a:schemeClr val="tx1">
-                    <a:lumMod val="40000"/>
-                    <a:lumOff val="60000"/>
+                  <a:schemeClr val="bg1">
+                    <a:lumMod val="95000"/>
                   </a:schemeClr>
                 </a:solidFill>
               </a:rPr>
@@ -11997,23 +11801,22 @@
             <a:r>
               <a:rPr lang="en-US" sz="900" b="1" dirty="0">
                 <a:solidFill>
-                  <a:schemeClr val="tx1">
-                    <a:lumMod val="40000"/>
-                    <a:lumOff val="60000"/>
+                  <a:schemeClr val="bg1">
+                    <a:lumMod val="95000"/>
                   </a:schemeClr>
                 </a:solidFill>
               </a:rPr>
-              <a:t>Discover an alien species!</a:t>
+              <a:t>Discover alien life!</a:t>
             </a:r>
           </a:p>
         </p:txBody>
       </p:sp>
       <p:sp>
         <p:nvSpPr>
-          <p:cNvPr id="31" name="Rectangle 30">
-            <a:extLst>
-              <a:ext uri="{FF2B5EF4-FFF2-40B4-BE49-F238E27FC236}">
-                <a16:creationId xmlns:a16="http://schemas.microsoft.com/office/drawing/2014/main" id="{E0D8485F-6F17-4D64-83C2-2A529C0DED2D}"/>
+          <p:cNvPr id="32" name="Rectangle 31">
+            <a:extLst>
+              <a:ext uri="{FF2B5EF4-FFF2-40B4-BE49-F238E27FC236}">
+                <a16:creationId xmlns:a16="http://schemas.microsoft.com/office/drawing/2014/main" id="{9BBCC2C9-D9AF-4061-9755-30F3A8D6608E}"/>
               </a:ext>
             </a:extLst>
           </p:cNvPr>
@@ -12022,63 +11825,7 @@
         </p:nvSpPr>
         <p:spPr>
           <a:xfrm>
-            <a:off x="239070" y="2547705"/>
-            <a:ext cx="208643" cy="211259"/>
-          </a:xfrm>
-          <a:prstGeom prst="rect">
-            <a:avLst/>
-          </a:prstGeom>
-          <a:noFill/>
-          <a:ln w="28575"/>
-          <a:effectLst>
-            <a:glow rad="139700">
-              <a:schemeClr val="accent1">
-                <a:satMod val="175000"/>
-                <a:alpha val="40000"/>
-              </a:schemeClr>
-            </a:glow>
-          </a:effectLst>
-        </p:spPr>
-        <p:style>
-          <a:lnRef idx="2">
-            <a:schemeClr val="accent1">
-              <a:shade val="50000"/>
-            </a:schemeClr>
-          </a:lnRef>
-          <a:fillRef idx="1">
-            <a:schemeClr val="accent1"/>
-          </a:fillRef>
-          <a:effectRef idx="0">
-            <a:schemeClr val="accent1"/>
-          </a:effectRef>
-          <a:fontRef idx="minor">
-            <a:schemeClr val="lt1"/>
-          </a:fontRef>
-        </p:style>
-        <p:txBody>
-          <a:bodyPr rtlCol="0" anchor="ctr"/>
-          <a:lstStyle/>
-          <a:p>
-            <a:pPr algn="ctr"/>
-            <a:endParaRPr lang="en-US"/>
-          </a:p>
-        </p:txBody>
-      </p:sp>
-      <p:sp>
-        <p:nvSpPr>
-          <p:cNvPr id="32" name="Rectangle 31">
-            <a:extLst>
-              <a:ext uri="{FF2B5EF4-FFF2-40B4-BE49-F238E27FC236}">
-                <a16:creationId xmlns:a16="http://schemas.microsoft.com/office/drawing/2014/main" id="{9BBCC2C9-D9AF-4061-9755-30F3A8D6608E}"/>
-              </a:ext>
-            </a:extLst>
-          </p:cNvPr>
-          <p:cNvSpPr/>
-          <p:nvPr/>
-        </p:nvSpPr>
-        <p:spPr>
-          <a:xfrm>
-            <a:off x="911769" y="2590797"/>
+            <a:off x="297048" y="2561804"/>
             <a:ext cx="208643" cy="211259"/>
           </a:xfrm>
           <a:prstGeom prst="rect">
@@ -12140,7 +11887,7 @@
         </p:nvSpPr>
         <p:spPr>
           <a:xfrm>
-            <a:off x="1561508" y="2606036"/>
+            <a:off x="1794116" y="2561803"/>
             <a:ext cx="208643" cy="211259"/>
           </a:xfrm>
           <a:prstGeom prst="rect">
@@ -12202,14 +11949,20 @@
         </p:nvSpPr>
         <p:spPr>
           <a:xfrm>
-            <a:off x="239071" y="4150441"/>
+            <a:off x="1039079" y="4135432"/>
             <a:ext cx="208643" cy="211259"/>
           </a:xfrm>
           <a:prstGeom prst="rect">
             <a:avLst/>
           </a:prstGeom>
           <a:noFill/>
-          <a:ln w="28575"/>
+          <a:ln w="28575">
+            <a:solidFill>
+              <a:schemeClr val="bg2">
+                <a:lumMod val="50000"/>
+              </a:schemeClr>
+            </a:solidFill>
+          </a:ln>
           <a:effectLst>
             <a:glow rad="139700">
               <a:schemeClr val="accent1">
@@ -12258,7 +12011,7 @@
         </p:nvSpPr>
         <p:spPr>
           <a:xfrm>
-            <a:off x="911769" y="4150441"/>
+            <a:off x="255908" y="4150441"/>
             <a:ext cx="208643" cy="211259"/>
           </a:xfrm>
           <a:prstGeom prst="rect">
@@ -12379,7 +12132,7 @@
         </p:nvSpPr>
         <p:spPr>
           <a:xfrm>
-            <a:off x="1542845" y="4150441"/>
+            <a:off x="1799151" y="4150441"/>
             <a:ext cx="208643" cy="211259"/>
           </a:xfrm>
           <a:prstGeom prst="rect">
@@ -12441,7 +12194,7 @@
         </p:nvSpPr>
         <p:spPr>
           <a:xfrm>
-            <a:off x="911769" y="3781787"/>
+            <a:off x="255908" y="3788906"/>
             <a:ext cx="208643" cy="211259"/>
           </a:xfrm>
           <a:prstGeom prst="rect">
@@ -12503,7 +12256,7 @@
         </p:nvSpPr>
         <p:spPr>
           <a:xfrm>
-            <a:off x="911769" y="3425050"/>
+            <a:off x="255908" y="3432169"/>
             <a:ext cx="208643" cy="211259"/>
           </a:xfrm>
           <a:prstGeom prst="rect">
@@ -12565,7 +12318,7 @@
         </p:nvSpPr>
         <p:spPr>
           <a:xfrm>
-            <a:off x="911769" y="2222143"/>
+            <a:off x="297048" y="2193150"/>
             <a:ext cx="208643" cy="211259"/>
           </a:xfrm>
           <a:prstGeom prst="rect">
@@ -12627,17 +12380,227 @@
         </p:nvSpPr>
         <p:spPr>
           <a:xfrm>
-            <a:off x="239070" y="3788092"/>
+            <a:off x="1039078" y="3763476"/>
             <a:ext cx="208643" cy="211259"/>
           </a:xfrm>
           <a:prstGeom prst="rect">
             <a:avLst/>
           </a:prstGeom>
           <a:noFill/>
-          <a:ln w="28575"/>
+          <a:ln w="28575">
+            <a:solidFill>
+              <a:schemeClr val="bg2">
+                <a:lumMod val="50000"/>
+              </a:schemeClr>
+            </a:solidFill>
+          </a:ln>
           <a:effectLst>
             <a:glow rad="139700">
               <a:schemeClr val="accent1">
+                <a:satMod val="175000"/>
+                <a:alpha val="40000"/>
+              </a:schemeClr>
+            </a:glow>
+          </a:effectLst>
+        </p:spPr>
+        <p:style>
+          <a:lnRef idx="2">
+            <a:schemeClr val="accent1">
+              <a:shade val="50000"/>
+            </a:schemeClr>
+          </a:lnRef>
+          <a:fillRef idx="1">
+            <a:schemeClr val="accent1"/>
+          </a:fillRef>
+          <a:effectRef idx="0">
+            <a:schemeClr val="accent1"/>
+          </a:effectRef>
+          <a:fontRef idx="minor">
+            <a:schemeClr val="lt1"/>
+          </a:fontRef>
+        </p:style>
+        <p:txBody>
+          <a:bodyPr rtlCol="0" anchor="ctr"/>
+          <a:lstStyle/>
+          <a:p>
+            <a:pPr algn="ctr"/>
+            <a:endParaRPr lang="en-US"/>
+          </a:p>
+        </p:txBody>
+      </p:sp>
+      <p:sp>
+        <p:nvSpPr>
+          <p:cNvPr id="33" name="Rectangle 32">
+            <a:extLst>
+              <a:ext uri="{FF2B5EF4-FFF2-40B4-BE49-F238E27FC236}">
+                <a16:creationId xmlns:a16="http://schemas.microsoft.com/office/drawing/2014/main" id="{C53EBCA3-88D3-4D1C-8624-CEF19833FED1}"/>
+              </a:ext>
+            </a:extLst>
+          </p:cNvPr>
+          <p:cNvSpPr/>
+          <p:nvPr/>
+        </p:nvSpPr>
+        <p:spPr>
+          <a:xfrm>
+            <a:off x="401369" y="3373058"/>
+            <a:ext cx="768565" cy="285738"/>
+          </a:xfrm>
+          <a:prstGeom prst="rect">
+            <a:avLst/>
+          </a:prstGeom>
+          <a:noFill/>
+          <a:ln w="28575">
+            <a:noFill/>
+          </a:ln>
+          <a:effectLst>
+            <a:glow>
+              <a:schemeClr val="accent6">
+                <a:satMod val="175000"/>
+              </a:schemeClr>
+            </a:glow>
+          </a:effectLst>
+        </p:spPr>
+        <p:style>
+          <a:lnRef idx="2">
+            <a:schemeClr val="accent1">
+              <a:shade val="50000"/>
+            </a:schemeClr>
+          </a:lnRef>
+          <a:fillRef idx="1">
+            <a:schemeClr val="accent1"/>
+          </a:fillRef>
+          <a:effectRef idx="0">
+            <a:schemeClr val="accent1"/>
+          </a:effectRef>
+          <a:fontRef idx="minor">
+            <a:schemeClr val="lt1"/>
+          </a:fontRef>
+        </p:style>
+        <p:txBody>
+          <a:bodyPr rtlCol="0" anchor="ctr"/>
+          <a:lstStyle/>
+          <a:p>
+            <a:pPr algn="ctr"/>
+            <a:r>
+              <a:rPr lang="en-US" sz="1200" dirty="0">
+                <a:solidFill>
+                  <a:srgbClr val="FF0000"/>
+                </a:solidFill>
+                <a:effectLst>
+                  <a:glow rad="177800">
+                    <a:schemeClr val="accent6">
+                      <a:alpha val="40000"/>
+                    </a:schemeClr>
+                  </a:glow>
+                </a:effectLst>
+              </a:rPr>
+              <a:t>Clean Room</a:t>
+            </a:r>
+          </a:p>
+        </p:txBody>
+      </p:sp>
+      <p:sp>
+        <p:nvSpPr>
+          <p:cNvPr id="43" name="Rectangle 42">
+            <a:extLst>
+              <a:ext uri="{FF2B5EF4-FFF2-40B4-BE49-F238E27FC236}">
+                <a16:creationId xmlns:a16="http://schemas.microsoft.com/office/drawing/2014/main" id="{518E1D18-B025-49EA-88F4-B9074A7426D5}"/>
+              </a:ext>
+            </a:extLst>
+          </p:cNvPr>
+          <p:cNvSpPr/>
+          <p:nvPr/>
+        </p:nvSpPr>
+        <p:spPr>
+          <a:xfrm>
+            <a:off x="530143" y="2117351"/>
+            <a:ext cx="1181464" cy="285738"/>
+          </a:xfrm>
+          <a:prstGeom prst="rect">
+            <a:avLst/>
+          </a:prstGeom>
+          <a:noFill/>
+          <a:ln w="28575">
+            <a:noFill/>
+          </a:ln>
+          <a:effectLst>
+            <a:glow>
+              <a:schemeClr val="accent6">
+                <a:satMod val="175000"/>
+              </a:schemeClr>
+            </a:glow>
+          </a:effectLst>
+        </p:spPr>
+        <p:style>
+          <a:lnRef idx="2">
+            <a:schemeClr val="accent1">
+              <a:shade val="50000"/>
+            </a:schemeClr>
+          </a:lnRef>
+          <a:fillRef idx="1">
+            <a:schemeClr val="accent1"/>
+          </a:fillRef>
+          <a:effectRef idx="0">
+            <a:schemeClr val="accent1"/>
+          </a:effectRef>
+          <a:fontRef idx="minor">
+            <a:schemeClr val="lt1"/>
+          </a:fontRef>
+        </p:style>
+        <p:txBody>
+          <a:bodyPr rtlCol="0" anchor="ctr"/>
+          <a:lstStyle/>
+          <a:p>
+            <a:pPr algn="ctr"/>
+            <a:r>
+              <a:rPr lang="en-US" sz="1200" dirty="0">
+                <a:solidFill>
+                  <a:srgbClr val="FF0000"/>
+                </a:solidFill>
+                <a:effectLst>
+                  <a:glow rad="177800">
+                    <a:schemeClr val="accent6">
+                      <a:alpha val="40000"/>
+                    </a:schemeClr>
+                  </a:glow>
+                </a:effectLst>
+              </a:rPr>
+              <a:t>Mass Spectrometer</a:t>
+            </a:r>
+          </a:p>
+        </p:txBody>
+      </p:sp>
+      <p:sp>
+        <p:nvSpPr>
+          <p:cNvPr id="44" name="Rectangle 43">
+            <a:extLst>
+              <a:ext uri="{FF2B5EF4-FFF2-40B4-BE49-F238E27FC236}">
+                <a16:creationId xmlns:a16="http://schemas.microsoft.com/office/drawing/2014/main" id="{7096D327-EA5A-4A1F-8817-D4F8529DD766}"/>
+              </a:ext>
+            </a:extLst>
+          </p:cNvPr>
+          <p:cNvSpPr/>
+          <p:nvPr/>
+        </p:nvSpPr>
+        <p:spPr>
+          <a:xfrm>
+            <a:off x="681329" y="2561802"/>
+            <a:ext cx="208643" cy="211259"/>
+          </a:xfrm>
+          <a:prstGeom prst="rect">
+            <a:avLst/>
+          </a:prstGeom>
+          <a:noFill/>
+          <a:ln w="28575">
+            <a:solidFill>
+              <a:schemeClr val="accent6">
+                <a:lumMod val="75000"/>
+              </a:schemeClr>
+            </a:solidFill>
+          </a:ln>
+          <a:effectLst>
+            <a:glow rad="139700">
+              <a:schemeClr val="accent6">
                 <a:satMod val="175000"/>
                 <a:alpha val="40000"/>
               </a:schemeClr>
@@ -12714,7 +12677,7 @@
         <p:spPr>
           <a:xfrm>
             <a:off x="84708" y="70253"/>
-            <a:ext cx="2573784" cy="1661993"/>
+            <a:ext cx="2573784" cy="1800493"/>
           </a:xfrm>
           <a:prstGeom prst="rect">
             <a:avLst/>
@@ -12749,7 +12712,7 @@
                 </a:solidFill>
                 <a:latin typeface="Calibri body"/>
               </a:rPr>
-              <a:t>   Life has three requirements: water, energy and chemical elements. Scientist believe that multiple bodies may fulfill the requirements to support life. Some of these include Mars, Europa, Enceladus and Titan. Life on other bodies will like take on simple forms, such as microbes, but may take on many that could be more complex. If an independent form of life is found within our solar system , it could indicate that life in the universe is more abundant than we think!</a:t>
+              <a:t>Life, as we know it, has three requirements: water, energy and chemical elements. Scientist believe that many objects in space may fulfill the requirements to support life. A few of these are Mars, Europa, Enceladus and Titan. Life on other celestial bodies will likely take on simple forms, such as microbes, but may take on forms that could be more complex. If an independent form of life is found within our solar system , it could indicate that life in the universe is more abundant than we think!</a:t>
             </a:r>
             <a:endParaRPr lang="en-US" sz="900" dirty="0"/>
           </a:p>
@@ -12805,7 +12768,7 @@
                 </a:solidFill>
                 <a:latin typeface="Calibri body"/>
               </a:rPr>
-              <a:t>k</a:t>
+              <a:t>______</a:t>
             </a:r>
           </a:p>
         </p:txBody>
@@ -12825,7 +12788,7 @@
         <p:spPr>
           <a:xfrm>
             <a:off x="84706" y="2839754"/>
-            <a:ext cx="2573787" cy="1569660"/>
+            <a:ext cx="2573787" cy="1708160"/>
           </a:xfrm>
           <a:prstGeom prst="rect">
             <a:avLst/>
@@ -12860,25 +12823,7 @@
                 </a:solidFill>
                 <a:latin typeface="Calibri body"/>
               </a:rPr>
-              <a:t>One consideration when looking for life is contamination. We must be careful to not contaminate that planet with Earth life—this could be harmful to any life on the body as well as confuse the origin of the life. We also must be careful to bring extraterrestrial life forms back to earth for our own </a:t>
-            </a:r>
-            <a:r>
-              <a:rPr lang="en-US" sz="900" dirty="0" err="1">
-                <a:solidFill>
-                  <a:schemeClr val="bg1"/>
-                </a:solidFill>
-                <a:latin typeface="Calibri body"/>
-              </a:rPr>
-              <a:t>saftey</a:t>
-            </a:r>
-            <a:r>
-              <a:rPr lang="en-US" sz="900" dirty="0">
-                <a:solidFill>
-                  <a:schemeClr val="bg1"/>
-                </a:solidFill>
-                <a:latin typeface="Calibri body"/>
-              </a:rPr>
-              <a:t>! This important practice is called Planetary Protection.</a:t>
+              <a:t>One consideration when looking for life is contamination. We must be careful to not contaminate other space locations with Earth life—this could be harmful to any life on the astronomical object, as well as confuse the origin of the life. We also must be careful not to bring extraterrestrial life forms back to Earth for our own safety! This important practice is called Planetary Protection.</a:t>
             </a:r>
           </a:p>
         </p:txBody>
@@ -13656,20 +13601,20 @@
             <a:gdLst>
               <a:gd name="connsiteX0" fmla="*/ 0 w 845032"/>
               <a:gd name="connsiteY0" fmla="*/ 0 h 886022"/>
-              <a:gd name="connsiteX1" fmla="*/ 414066 w 845032"/>
+              <a:gd name="connsiteX1" fmla="*/ 397165 w 845032"/>
               <a:gd name="connsiteY1" fmla="*/ 0 h 886022"/>
               <a:gd name="connsiteX2" fmla="*/ 845032 w 845032"/>
               <a:gd name="connsiteY2" fmla="*/ 0 h 886022"/>
               <a:gd name="connsiteX3" fmla="*/ 845032 w 845032"/>
-              <a:gd name="connsiteY3" fmla="*/ 425291 h 886022"/>
+              <a:gd name="connsiteY3" fmla="*/ 416430 h 886022"/>
               <a:gd name="connsiteX4" fmla="*/ 845032 w 845032"/>
               <a:gd name="connsiteY4" fmla="*/ 886022 h 886022"/>
-              <a:gd name="connsiteX5" fmla="*/ 430966 w 845032"/>
+              <a:gd name="connsiteX5" fmla="*/ 439417 w 845032"/>
               <a:gd name="connsiteY5" fmla="*/ 886022 h 886022"/>
               <a:gd name="connsiteX6" fmla="*/ 0 w 845032"/>
               <a:gd name="connsiteY6" fmla="*/ 886022 h 886022"/>
               <a:gd name="connsiteX7" fmla="*/ 0 w 845032"/>
-              <a:gd name="connsiteY7" fmla="*/ 451871 h 886022"/>
+              <a:gd name="connsiteY7" fmla="*/ 469592 h 886022"/>
               <a:gd name="connsiteX8" fmla="*/ 0 w 845032"/>
               <a:gd name="connsiteY8" fmla="*/ 0 h 886022"/>
             </a:gdLst>
@@ -13705,53 +13650,7 @@
             </a:cxnLst>
             <a:rect l="l" t="t" r="r" b="b"/>
             <a:pathLst>
-              <a:path w="845032" h="886022" fill="none" extrusionOk="0">
-                <a:moveTo>
-                  <a:pt x="0" y="0"/>
-                </a:moveTo>
-                <a:cubicBezTo>
-                  <a:pt x="122021" y="3035"/>
-                  <a:pt x="274294" y="18057"/>
-                  <a:pt x="414066" y="0"/>
-                </a:cubicBezTo>
-                <a:cubicBezTo>
-                  <a:pt x="553838" y="-18057"/>
-                  <a:pt x="674226" y="-9406"/>
-                  <a:pt x="845032" y="0"/>
-                </a:cubicBezTo>
-                <a:cubicBezTo>
-                  <a:pt x="845087" y="133736"/>
-                  <a:pt x="865226" y="306832"/>
-                  <a:pt x="845032" y="425291"/>
-                </a:cubicBezTo>
-                <a:cubicBezTo>
-                  <a:pt x="824838" y="543750"/>
-                  <a:pt x="840419" y="683892"/>
-                  <a:pt x="845032" y="886022"/>
-                </a:cubicBezTo>
-                <a:cubicBezTo>
-                  <a:pt x="708439" y="867909"/>
-                  <a:pt x="590961" y="894991"/>
-                  <a:pt x="430966" y="886022"/>
-                </a:cubicBezTo>
-                <a:cubicBezTo>
-                  <a:pt x="270971" y="877053"/>
-                  <a:pt x="151183" y="904472"/>
-                  <a:pt x="0" y="886022"/>
-                </a:cubicBezTo>
-                <a:cubicBezTo>
-                  <a:pt x="102" y="767371"/>
-                  <a:pt x="-21486" y="554460"/>
-                  <a:pt x="0" y="451871"/>
-                </a:cubicBezTo>
-                <a:cubicBezTo>
-                  <a:pt x="21486" y="349282"/>
-                  <a:pt x="8243" y="110678"/>
-                  <a:pt x="0" y="0"/>
-                </a:cubicBezTo>
-                <a:close/>
-              </a:path>
-              <a:path w="845032" h="886022" stroke="0" extrusionOk="0">
+              <a:path w="845032" h="886022" extrusionOk="0">
                 <a:moveTo>
                   <a:pt x="0" y="0"/>
                 </a:moveTo>
@@ -13868,20 +13767,20 @@
             <a:gdLst>
               <a:gd name="connsiteX0" fmla="*/ 0 w 845032"/>
               <a:gd name="connsiteY0" fmla="*/ 0 h 886022"/>
-              <a:gd name="connsiteX1" fmla="*/ 414066 w 845032"/>
+              <a:gd name="connsiteX1" fmla="*/ 397165 w 845032"/>
               <a:gd name="connsiteY1" fmla="*/ 0 h 886022"/>
               <a:gd name="connsiteX2" fmla="*/ 845032 w 845032"/>
               <a:gd name="connsiteY2" fmla="*/ 0 h 886022"/>
               <a:gd name="connsiteX3" fmla="*/ 845032 w 845032"/>
-              <a:gd name="connsiteY3" fmla="*/ 425291 h 886022"/>
+              <a:gd name="connsiteY3" fmla="*/ 416430 h 886022"/>
               <a:gd name="connsiteX4" fmla="*/ 845032 w 845032"/>
               <a:gd name="connsiteY4" fmla="*/ 886022 h 886022"/>
-              <a:gd name="connsiteX5" fmla="*/ 430966 w 845032"/>
+              <a:gd name="connsiteX5" fmla="*/ 439417 w 845032"/>
               <a:gd name="connsiteY5" fmla="*/ 886022 h 886022"/>
               <a:gd name="connsiteX6" fmla="*/ 0 w 845032"/>
               <a:gd name="connsiteY6" fmla="*/ 886022 h 886022"/>
               <a:gd name="connsiteX7" fmla="*/ 0 w 845032"/>
-              <a:gd name="connsiteY7" fmla="*/ 451871 h 886022"/>
+              <a:gd name="connsiteY7" fmla="*/ 469592 h 886022"/>
               <a:gd name="connsiteX8" fmla="*/ 0 w 845032"/>
               <a:gd name="connsiteY8" fmla="*/ 0 h 886022"/>
             </a:gdLst>
@@ -13917,53 +13816,7 @@
             </a:cxnLst>
             <a:rect l="l" t="t" r="r" b="b"/>
             <a:pathLst>
-              <a:path w="845032" h="886022" fill="none" extrusionOk="0">
-                <a:moveTo>
-                  <a:pt x="0" y="0"/>
-                </a:moveTo>
-                <a:cubicBezTo>
-                  <a:pt x="122021" y="3035"/>
-                  <a:pt x="274294" y="18057"/>
-                  <a:pt x="414066" y="0"/>
-                </a:cubicBezTo>
-                <a:cubicBezTo>
-                  <a:pt x="553838" y="-18057"/>
-                  <a:pt x="674226" y="-9406"/>
-                  <a:pt x="845032" y="0"/>
-                </a:cubicBezTo>
-                <a:cubicBezTo>
-                  <a:pt x="845087" y="133736"/>
-                  <a:pt x="865226" y="306832"/>
-                  <a:pt x="845032" y="425291"/>
-                </a:cubicBezTo>
-                <a:cubicBezTo>
-                  <a:pt x="824838" y="543750"/>
-                  <a:pt x="840419" y="683892"/>
-                  <a:pt x="845032" y="886022"/>
-                </a:cubicBezTo>
-                <a:cubicBezTo>
-                  <a:pt x="708439" y="867909"/>
-                  <a:pt x="590961" y="894991"/>
-                  <a:pt x="430966" y="886022"/>
-                </a:cubicBezTo>
-                <a:cubicBezTo>
-                  <a:pt x="270971" y="877053"/>
-                  <a:pt x="151183" y="904472"/>
-                  <a:pt x="0" y="886022"/>
-                </a:cubicBezTo>
-                <a:cubicBezTo>
-                  <a:pt x="102" y="767371"/>
-                  <a:pt x="-21486" y="554460"/>
-                  <a:pt x="0" y="451871"/>
-                </a:cubicBezTo>
-                <a:cubicBezTo>
-                  <a:pt x="21486" y="349282"/>
-                  <a:pt x="8243" y="110678"/>
-                  <a:pt x="0" y="0"/>
-                </a:cubicBezTo>
-                <a:close/>
-              </a:path>
-              <a:path w="845032" h="886022" stroke="0" extrusionOk="0">
+              <a:path w="845032" h="886022" extrusionOk="0">
                 <a:moveTo>
                   <a:pt x="0" y="0"/>
                 </a:moveTo>
@@ -14080,20 +13933,20 @@
             <a:gdLst>
               <a:gd name="connsiteX0" fmla="*/ 0 w 845032"/>
               <a:gd name="connsiteY0" fmla="*/ 0 h 886022"/>
-              <a:gd name="connsiteX1" fmla="*/ 414066 w 845032"/>
+              <a:gd name="connsiteX1" fmla="*/ 397165 w 845032"/>
               <a:gd name="connsiteY1" fmla="*/ 0 h 886022"/>
               <a:gd name="connsiteX2" fmla="*/ 845032 w 845032"/>
               <a:gd name="connsiteY2" fmla="*/ 0 h 886022"/>
               <a:gd name="connsiteX3" fmla="*/ 845032 w 845032"/>
-              <a:gd name="connsiteY3" fmla="*/ 425291 h 886022"/>
+              <a:gd name="connsiteY3" fmla="*/ 416430 h 886022"/>
               <a:gd name="connsiteX4" fmla="*/ 845032 w 845032"/>
               <a:gd name="connsiteY4" fmla="*/ 886022 h 886022"/>
-              <a:gd name="connsiteX5" fmla="*/ 430966 w 845032"/>
+              <a:gd name="connsiteX5" fmla="*/ 439417 w 845032"/>
               <a:gd name="connsiteY5" fmla="*/ 886022 h 886022"/>
               <a:gd name="connsiteX6" fmla="*/ 0 w 845032"/>
               <a:gd name="connsiteY6" fmla="*/ 886022 h 886022"/>
               <a:gd name="connsiteX7" fmla="*/ 0 w 845032"/>
-              <a:gd name="connsiteY7" fmla="*/ 451871 h 886022"/>
+              <a:gd name="connsiteY7" fmla="*/ 469592 h 886022"/>
               <a:gd name="connsiteX8" fmla="*/ 0 w 845032"/>
               <a:gd name="connsiteY8" fmla="*/ 0 h 886022"/>
             </a:gdLst>
@@ -14129,53 +13982,7 @@
             </a:cxnLst>
             <a:rect l="l" t="t" r="r" b="b"/>
             <a:pathLst>
-              <a:path w="845032" h="886022" fill="none" extrusionOk="0">
-                <a:moveTo>
-                  <a:pt x="0" y="0"/>
-                </a:moveTo>
-                <a:cubicBezTo>
-                  <a:pt x="122021" y="3035"/>
-                  <a:pt x="274294" y="18057"/>
-                  <a:pt x="414066" y="0"/>
-                </a:cubicBezTo>
-                <a:cubicBezTo>
-                  <a:pt x="553838" y="-18057"/>
-                  <a:pt x="674226" y="-9406"/>
-                  <a:pt x="845032" y="0"/>
-                </a:cubicBezTo>
-                <a:cubicBezTo>
-                  <a:pt x="845087" y="133736"/>
-                  <a:pt x="865226" y="306832"/>
-                  <a:pt x="845032" y="425291"/>
-                </a:cubicBezTo>
-                <a:cubicBezTo>
-                  <a:pt x="824838" y="543750"/>
-                  <a:pt x="840419" y="683892"/>
-                  <a:pt x="845032" y="886022"/>
-                </a:cubicBezTo>
-                <a:cubicBezTo>
-                  <a:pt x="708439" y="867909"/>
-                  <a:pt x="590961" y="894991"/>
-                  <a:pt x="430966" y="886022"/>
-                </a:cubicBezTo>
-                <a:cubicBezTo>
-                  <a:pt x="270971" y="877053"/>
-                  <a:pt x="151183" y="904472"/>
-                  <a:pt x="0" y="886022"/>
-                </a:cubicBezTo>
-                <a:cubicBezTo>
-                  <a:pt x="102" y="767371"/>
-                  <a:pt x="-21486" y="554460"/>
-                  <a:pt x="0" y="451871"/>
-                </a:cubicBezTo>
-                <a:cubicBezTo>
-                  <a:pt x="21486" y="349282"/>
-                  <a:pt x="8243" y="110678"/>
-                  <a:pt x="0" y="0"/>
-                </a:cubicBezTo>
-                <a:close/>
-              </a:path>
-              <a:path w="845032" h="886022" stroke="0" extrusionOk="0">
+              <a:path w="845032" h="886022" extrusionOk="0">
                 <a:moveTo>
                   <a:pt x="0" y="0"/>
                 </a:moveTo>
@@ -14618,9 +14425,8 @@
             <a:r>
               <a:rPr lang="en-US" sz="900" b="1" dirty="0">
                 <a:solidFill>
-                  <a:schemeClr val="tx1">
-                    <a:lumMod val="40000"/>
-                    <a:lumOff val="60000"/>
+                  <a:schemeClr val="bg1">
+                    <a:lumMod val="95000"/>
                   </a:schemeClr>
                 </a:solidFill>
               </a:rPr>
@@ -14661,9 +14467,8 @@
             <a:r>
               <a:rPr lang="en-US" sz="900" b="1" dirty="0">
                 <a:solidFill>
-                  <a:schemeClr val="tx1">
-                    <a:lumMod val="40000"/>
-                    <a:lumOff val="60000"/>
+                  <a:schemeClr val="bg1">
+                    <a:lumMod val="95000"/>
                   </a:schemeClr>
                 </a:solidFill>
               </a:rPr>
@@ -14704,9 +14509,8 @@
             <a:r>
               <a:rPr lang="en-US" sz="800" b="1" dirty="0">
                 <a:solidFill>
-                  <a:schemeClr val="tx1">
-                    <a:lumMod val="40000"/>
-                    <a:lumOff val="60000"/>
+                  <a:schemeClr val="bg1">
+                    <a:lumMod val="95000"/>
                   </a:schemeClr>
                 </a:solidFill>
               </a:rPr>
@@ -14729,14 +14533,20 @@
         </p:nvSpPr>
         <p:spPr>
           <a:xfrm>
-            <a:off x="239070" y="2547705"/>
+            <a:off x="1730784" y="2162994"/>
             <a:ext cx="208643" cy="211259"/>
           </a:xfrm>
           <a:prstGeom prst="rect">
             <a:avLst/>
           </a:prstGeom>
           <a:noFill/>
-          <a:ln w="28575"/>
+          <a:ln w="28575">
+            <a:solidFill>
+              <a:schemeClr val="bg2">
+                <a:lumMod val="50000"/>
+              </a:schemeClr>
+            </a:solidFill>
+          </a:ln>
           <a:effectLst>
             <a:glow rad="139700">
               <a:schemeClr val="accent1">
@@ -14897,10 +14707,10 @@
       </p:sp>
       <p:sp>
         <p:nvSpPr>
-          <p:cNvPr id="35" name="Rectangle 34">
-            <a:extLst>
-              <a:ext uri="{FF2B5EF4-FFF2-40B4-BE49-F238E27FC236}">
-                <a16:creationId xmlns:a16="http://schemas.microsoft.com/office/drawing/2014/main" id="{C63758C3-D3E7-41BB-8E13-7DACBD8D335F}"/>
+          <p:cNvPr id="36" name="Rectangle 35">
+            <a:extLst>
+              <a:ext uri="{FF2B5EF4-FFF2-40B4-BE49-F238E27FC236}">
+                <a16:creationId xmlns:a16="http://schemas.microsoft.com/office/drawing/2014/main" id="{7C6F8618-B437-487C-A6E9-4AC840B39F15}"/>
               </a:ext>
             </a:extLst>
           </p:cNvPr>
@@ -14909,63 +14719,7 @@
         </p:nvSpPr>
         <p:spPr>
           <a:xfrm>
-            <a:off x="239071" y="4150441"/>
-            <a:ext cx="208643" cy="211259"/>
-          </a:xfrm>
-          <a:prstGeom prst="rect">
-            <a:avLst/>
-          </a:prstGeom>
-          <a:noFill/>
-          <a:ln w="28575"/>
-          <a:effectLst>
-            <a:glow rad="139700">
-              <a:schemeClr val="accent1">
-                <a:satMod val="175000"/>
-                <a:alpha val="40000"/>
-              </a:schemeClr>
-            </a:glow>
-          </a:effectLst>
-        </p:spPr>
-        <p:style>
-          <a:lnRef idx="2">
-            <a:schemeClr val="accent1">
-              <a:shade val="50000"/>
-            </a:schemeClr>
-          </a:lnRef>
-          <a:fillRef idx="1">
-            <a:schemeClr val="accent1"/>
-          </a:fillRef>
-          <a:effectRef idx="0">
-            <a:schemeClr val="accent1"/>
-          </a:effectRef>
-          <a:fontRef idx="minor">
-            <a:schemeClr val="lt1"/>
-          </a:fontRef>
-        </p:style>
-        <p:txBody>
-          <a:bodyPr rtlCol="0" anchor="ctr"/>
-          <a:lstStyle/>
-          <a:p>
-            <a:pPr algn="ctr"/>
-            <a:endParaRPr lang="en-US"/>
-          </a:p>
-        </p:txBody>
-      </p:sp>
-      <p:sp>
-        <p:nvSpPr>
-          <p:cNvPr id="36" name="Rectangle 35">
-            <a:extLst>
-              <a:ext uri="{FF2B5EF4-FFF2-40B4-BE49-F238E27FC236}">
-                <a16:creationId xmlns:a16="http://schemas.microsoft.com/office/drawing/2014/main" id="{7C6F8618-B437-487C-A6E9-4AC840B39F15}"/>
-              </a:ext>
-            </a:extLst>
-          </p:cNvPr>
-          <p:cNvSpPr/>
-          <p:nvPr/>
-        </p:nvSpPr>
-        <p:spPr>
-          <a:xfrm>
-            <a:off x="911769" y="4150441"/>
+            <a:off x="249972" y="4090910"/>
             <a:ext cx="208643" cy="211259"/>
           </a:xfrm>
           <a:prstGeom prst="rect">
@@ -15086,7 +14840,7 @@
         </p:nvSpPr>
         <p:spPr>
           <a:xfrm>
-            <a:off x="1542845" y="4150441"/>
+            <a:off x="1639169" y="4090909"/>
             <a:ext cx="208643" cy="211259"/>
           </a:xfrm>
           <a:prstGeom prst="rect">
@@ -15148,7 +14902,7 @@
         </p:nvSpPr>
         <p:spPr>
           <a:xfrm>
-            <a:off x="911769" y="3781787"/>
+            <a:off x="249972" y="3722256"/>
             <a:ext cx="208643" cy="211259"/>
           </a:xfrm>
           <a:prstGeom prst="rect">
@@ -15198,10 +14952,10 @@
       </p:sp>
       <p:sp>
         <p:nvSpPr>
-          <p:cNvPr id="40" name="Rectangle 39">
-            <a:extLst>
-              <a:ext uri="{FF2B5EF4-FFF2-40B4-BE49-F238E27FC236}">
-                <a16:creationId xmlns:a16="http://schemas.microsoft.com/office/drawing/2014/main" id="{EBE66458-3073-4365-8005-FD44A5357DB4}"/>
+          <p:cNvPr id="41" name="Rectangle 40">
+            <a:extLst>
+              <a:ext uri="{FF2B5EF4-FFF2-40B4-BE49-F238E27FC236}">
+                <a16:creationId xmlns:a16="http://schemas.microsoft.com/office/drawing/2014/main" id="{74D8BD84-7C33-437D-811B-B1208521FE04}"/>
               </a:ext>
             </a:extLst>
           </p:cNvPr>
@@ -15210,7 +14964,7 @@
         </p:nvSpPr>
         <p:spPr>
           <a:xfrm>
-            <a:off x="911769" y="3425050"/>
+            <a:off x="911769" y="2222143"/>
             <a:ext cx="208643" cy="211259"/>
           </a:xfrm>
           <a:prstGeom prst="rect">
@@ -15260,10 +15014,10 @@
       </p:sp>
       <p:sp>
         <p:nvSpPr>
-          <p:cNvPr id="41" name="Rectangle 40">
-            <a:extLst>
-              <a:ext uri="{FF2B5EF4-FFF2-40B4-BE49-F238E27FC236}">
-                <a16:creationId xmlns:a16="http://schemas.microsoft.com/office/drawing/2014/main" id="{74D8BD84-7C33-437D-811B-B1208521FE04}"/>
+          <p:cNvPr id="42" name="Rectangle 41">
+            <a:extLst>
+              <a:ext uri="{FF2B5EF4-FFF2-40B4-BE49-F238E27FC236}">
+                <a16:creationId xmlns:a16="http://schemas.microsoft.com/office/drawing/2014/main" id="{0993C99A-C956-4658-A07D-1345CD14EDE6}"/>
               </a:ext>
             </a:extLst>
           </p:cNvPr>
@@ -15272,7 +15026,7 @@
         </p:nvSpPr>
         <p:spPr>
           <a:xfrm>
-            <a:off x="911769" y="2222143"/>
+            <a:off x="985561" y="4090908"/>
             <a:ext cx="208643" cy="211259"/>
           </a:xfrm>
           <a:prstGeom prst="rect">
@@ -15281,67 +15035,11 @@
           <a:noFill/>
           <a:ln w="28575">
             <a:solidFill>
-              <a:schemeClr val="accent6">
-                <a:lumMod val="75000"/>
+              <a:schemeClr val="bg2">
+                <a:lumMod val="50000"/>
               </a:schemeClr>
             </a:solidFill>
           </a:ln>
-          <a:effectLst>
-            <a:glow rad="139700">
-              <a:schemeClr val="accent6">
-                <a:satMod val="175000"/>
-                <a:alpha val="40000"/>
-              </a:schemeClr>
-            </a:glow>
-          </a:effectLst>
-        </p:spPr>
-        <p:style>
-          <a:lnRef idx="2">
-            <a:schemeClr val="accent1">
-              <a:shade val="50000"/>
-            </a:schemeClr>
-          </a:lnRef>
-          <a:fillRef idx="1">
-            <a:schemeClr val="accent1"/>
-          </a:fillRef>
-          <a:effectRef idx="0">
-            <a:schemeClr val="accent1"/>
-          </a:effectRef>
-          <a:fontRef idx="minor">
-            <a:schemeClr val="lt1"/>
-          </a:fontRef>
-        </p:style>
-        <p:txBody>
-          <a:bodyPr rtlCol="0" anchor="ctr"/>
-          <a:lstStyle/>
-          <a:p>
-            <a:pPr algn="ctr"/>
-            <a:endParaRPr lang="en-US"/>
-          </a:p>
-        </p:txBody>
-      </p:sp>
-      <p:sp>
-        <p:nvSpPr>
-          <p:cNvPr id="42" name="Rectangle 41">
-            <a:extLst>
-              <a:ext uri="{FF2B5EF4-FFF2-40B4-BE49-F238E27FC236}">
-                <a16:creationId xmlns:a16="http://schemas.microsoft.com/office/drawing/2014/main" id="{0993C99A-C956-4658-A07D-1345CD14EDE6}"/>
-              </a:ext>
-            </a:extLst>
-          </p:cNvPr>
-          <p:cNvSpPr/>
-          <p:nvPr/>
-        </p:nvSpPr>
-        <p:spPr>
-          <a:xfrm>
-            <a:off x="239070" y="3788092"/>
-            <a:ext cx="208643" cy="211259"/>
-          </a:xfrm>
-          <a:prstGeom prst="rect">
-            <a:avLst/>
-          </a:prstGeom>
-          <a:noFill/>
-          <a:ln w="28575"/>
           <a:effectLst>
             <a:glow rad="139700">
               <a:schemeClr val="accent1">
@@ -16149,20 +15847,20 @@
             <a:gdLst>
               <a:gd name="connsiteX0" fmla="*/ 0 w 845032"/>
               <a:gd name="connsiteY0" fmla="*/ 0 h 886022"/>
-              <a:gd name="connsiteX1" fmla="*/ 414066 w 845032"/>
+              <a:gd name="connsiteX1" fmla="*/ 397165 w 845032"/>
               <a:gd name="connsiteY1" fmla="*/ 0 h 886022"/>
               <a:gd name="connsiteX2" fmla="*/ 845032 w 845032"/>
               <a:gd name="connsiteY2" fmla="*/ 0 h 886022"/>
               <a:gd name="connsiteX3" fmla="*/ 845032 w 845032"/>
-              <a:gd name="connsiteY3" fmla="*/ 425291 h 886022"/>
+              <a:gd name="connsiteY3" fmla="*/ 416430 h 886022"/>
               <a:gd name="connsiteX4" fmla="*/ 845032 w 845032"/>
               <a:gd name="connsiteY4" fmla="*/ 886022 h 886022"/>
-              <a:gd name="connsiteX5" fmla="*/ 430966 w 845032"/>
+              <a:gd name="connsiteX5" fmla="*/ 439417 w 845032"/>
               <a:gd name="connsiteY5" fmla="*/ 886022 h 886022"/>
               <a:gd name="connsiteX6" fmla="*/ 0 w 845032"/>
               <a:gd name="connsiteY6" fmla="*/ 886022 h 886022"/>
               <a:gd name="connsiteX7" fmla="*/ 0 w 845032"/>
-              <a:gd name="connsiteY7" fmla="*/ 451871 h 886022"/>
+              <a:gd name="connsiteY7" fmla="*/ 469592 h 886022"/>
               <a:gd name="connsiteX8" fmla="*/ 0 w 845032"/>
               <a:gd name="connsiteY8" fmla="*/ 0 h 886022"/>
             </a:gdLst>
@@ -16198,53 +15896,7 @@
             </a:cxnLst>
             <a:rect l="l" t="t" r="r" b="b"/>
             <a:pathLst>
-              <a:path w="845032" h="886022" fill="none" extrusionOk="0">
-                <a:moveTo>
-                  <a:pt x="0" y="0"/>
-                </a:moveTo>
-                <a:cubicBezTo>
-                  <a:pt x="122021" y="3035"/>
-                  <a:pt x="274294" y="18057"/>
-                  <a:pt x="414066" y="0"/>
-                </a:cubicBezTo>
-                <a:cubicBezTo>
-                  <a:pt x="553838" y="-18057"/>
-                  <a:pt x="674226" y="-9406"/>
-                  <a:pt x="845032" y="0"/>
-                </a:cubicBezTo>
-                <a:cubicBezTo>
-                  <a:pt x="845087" y="133736"/>
-                  <a:pt x="865226" y="306832"/>
-                  <a:pt x="845032" y="425291"/>
-                </a:cubicBezTo>
-                <a:cubicBezTo>
-                  <a:pt x="824838" y="543750"/>
-                  <a:pt x="840419" y="683892"/>
-                  <a:pt x="845032" y="886022"/>
-                </a:cubicBezTo>
-                <a:cubicBezTo>
-                  <a:pt x="708439" y="867909"/>
-                  <a:pt x="590961" y="894991"/>
-                  <a:pt x="430966" y="886022"/>
-                </a:cubicBezTo>
-                <a:cubicBezTo>
-                  <a:pt x="270971" y="877053"/>
-                  <a:pt x="151183" y="904472"/>
-                  <a:pt x="0" y="886022"/>
-                </a:cubicBezTo>
-                <a:cubicBezTo>
-                  <a:pt x="102" y="767371"/>
-                  <a:pt x="-21486" y="554460"/>
-                  <a:pt x="0" y="451871"/>
-                </a:cubicBezTo>
-                <a:cubicBezTo>
-                  <a:pt x="21486" y="349282"/>
-                  <a:pt x="8243" y="110678"/>
-                  <a:pt x="0" y="0"/>
-                </a:cubicBezTo>
-                <a:close/>
-              </a:path>
-              <a:path w="845032" h="886022" stroke="0" extrusionOk="0">
+              <a:path w="845032" h="886022" extrusionOk="0">
                 <a:moveTo>
                   <a:pt x="0" y="0"/>
                 </a:moveTo>
@@ -16361,20 +16013,20 @@
             <a:gdLst>
               <a:gd name="connsiteX0" fmla="*/ 0 w 845032"/>
               <a:gd name="connsiteY0" fmla="*/ 0 h 886022"/>
-              <a:gd name="connsiteX1" fmla="*/ 414066 w 845032"/>
+              <a:gd name="connsiteX1" fmla="*/ 397165 w 845032"/>
               <a:gd name="connsiteY1" fmla="*/ 0 h 886022"/>
               <a:gd name="connsiteX2" fmla="*/ 845032 w 845032"/>
               <a:gd name="connsiteY2" fmla="*/ 0 h 886022"/>
               <a:gd name="connsiteX3" fmla="*/ 845032 w 845032"/>
-              <a:gd name="connsiteY3" fmla="*/ 425291 h 886022"/>
+              <a:gd name="connsiteY3" fmla="*/ 416430 h 886022"/>
               <a:gd name="connsiteX4" fmla="*/ 845032 w 845032"/>
               <a:gd name="connsiteY4" fmla="*/ 886022 h 886022"/>
-              <a:gd name="connsiteX5" fmla="*/ 430966 w 845032"/>
+              <a:gd name="connsiteX5" fmla="*/ 439417 w 845032"/>
               <a:gd name="connsiteY5" fmla="*/ 886022 h 886022"/>
               <a:gd name="connsiteX6" fmla="*/ 0 w 845032"/>
               <a:gd name="connsiteY6" fmla="*/ 886022 h 886022"/>
               <a:gd name="connsiteX7" fmla="*/ 0 w 845032"/>
-              <a:gd name="connsiteY7" fmla="*/ 451871 h 886022"/>
+              <a:gd name="connsiteY7" fmla="*/ 469592 h 886022"/>
               <a:gd name="connsiteX8" fmla="*/ 0 w 845032"/>
               <a:gd name="connsiteY8" fmla="*/ 0 h 886022"/>
             </a:gdLst>
@@ -16410,53 +16062,7 @@
             </a:cxnLst>
             <a:rect l="l" t="t" r="r" b="b"/>
             <a:pathLst>
-              <a:path w="845032" h="886022" fill="none" extrusionOk="0">
-                <a:moveTo>
-                  <a:pt x="0" y="0"/>
-                </a:moveTo>
-                <a:cubicBezTo>
-                  <a:pt x="122021" y="3035"/>
-                  <a:pt x="274294" y="18057"/>
-                  <a:pt x="414066" y="0"/>
-                </a:cubicBezTo>
-                <a:cubicBezTo>
-                  <a:pt x="553838" y="-18057"/>
-                  <a:pt x="674226" y="-9406"/>
-                  <a:pt x="845032" y="0"/>
-                </a:cubicBezTo>
-                <a:cubicBezTo>
-                  <a:pt x="845087" y="133736"/>
-                  <a:pt x="865226" y="306832"/>
-                  <a:pt x="845032" y="425291"/>
-                </a:cubicBezTo>
-                <a:cubicBezTo>
-                  <a:pt x="824838" y="543750"/>
-                  <a:pt x="840419" y="683892"/>
-                  <a:pt x="845032" y="886022"/>
-                </a:cubicBezTo>
-                <a:cubicBezTo>
-                  <a:pt x="708439" y="867909"/>
-                  <a:pt x="590961" y="894991"/>
-                  <a:pt x="430966" y="886022"/>
-                </a:cubicBezTo>
-                <a:cubicBezTo>
-                  <a:pt x="270971" y="877053"/>
-                  <a:pt x="151183" y="904472"/>
-                  <a:pt x="0" y="886022"/>
-                </a:cubicBezTo>
-                <a:cubicBezTo>
-                  <a:pt x="102" y="767371"/>
-                  <a:pt x="-21486" y="554460"/>
-                  <a:pt x="0" y="451871"/>
-                </a:cubicBezTo>
-                <a:cubicBezTo>
-                  <a:pt x="21486" y="349282"/>
-                  <a:pt x="8243" y="110678"/>
-                  <a:pt x="0" y="0"/>
-                </a:cubicBezTo>
-                <a:close/>
-              </a:path>
-              <a:path w="845032" h="886022" stroke="0" extrusionOk="0">
+              <a:path w="845032" h="886022" extrusionOk="0">
                 <a:moveTo>
                   <a:pt x="0" y="0"/>
                 </a:moveTo>
@@ -16573,20 +16179,20 @@
             <a:gdLst>
               <a:gd name="connsiteX0" fmla="*/ 0 w 845032"/>
               <a:gd name="connsiteY0" fmla="*/ 0 h 886022"/>
-              <a:gd name="connsiteX1" fmla="*/ 414066 w 845032"/>
+              <a:gd name="connsiteX1" fmla="*/ 397165 w 845032"/>
               <a:gd name="connsiteY1" fmla="*/ 0 h 886022"/>
               <a:gd name="connsiteX2" fmla="*/ 845032 w 845032"/>
               <a:gd name="connsiteY2" fmla="*/ 0 h 886022"/>
               <a:gd name="connsiteX3" fmla="*/ 845032 w 845032"/>
-              <a:gd name="connsiteY3" fmla="*/ 425291 h 886022"/>
+              <a:gd name="connsiteY3" fmla="*/ 416430 h 886022"/>
               <a:gd name="connsiteX4" fmla="*/ 845032 w 845032"/>
               <a:gd name="connsiteY4" fmla="*/ 886022 h 886022"/>
-              <a:gd name="connsiteX5" fmla="*/ 430966 w 845032"/>
+              <a:gd name="connsiteX5" fmla="*/ 439417 w 845032"/>
               <a:gd name="connsiteY5" fmla="*/ 886022 h 886022"/>
               <a:gd name="connsiteX6" fmla="*/ 0 w 845032"/>
               <a:gd name="connsiteY6" fmla="*/ 886022 h 886022"/>
               <a:gd name="connsiteX7" fmla="*/ 0 w 845032"/>
-              <a:gd name="connsiteY7" fmla="*/ 451871 h 886022"/>
+              <a:gd name="connsiteY7" fmla="*/ 469592 h 886022"/>
               <a:gd name="connsiteX8" fmla="*/ 0 w 845032"/>
               <a:gd name="connsiteY8" fmla="*/ 0 h 886022"/>
             </a:gdLst>
@@ -16622,53 +16228,7 @@
             </a:cxnLst>
             <a:rect l="l" t="t" r="r" b="b"/>
             <a:pathLst>
-              <a:path w="845032" h="886022" fill="none" extrusionOk="0">
-                <a:moveTo>
-                  <a:pt x="0" y="0"/>
-                </a:moveTo>
-                <a:cubicBezTo>
-                  <a:pt x="122021" y="3035"/>
-                  <a:pt x="274294" y="18057"/>
-                  <a:pt x="414066" y="0"/>
-                </a:cubicBezTo>
-                <a:cubicBezTo>
-                  <a:pt x="553838" y="-18057"/>
-                  <a:pt x="674226" y="-9406"/>
-                  <a:pt x="845032" y="0"/>
-                </a:cubicBezTo>
-                <a:cubicBezTo>
-                  <a:pt x="845087" y="133736"/>
-                  <a:pt x="865226" y="306832"/>
-                  <a:pt x="845032" y="425291"/>
-                </a:cubicBezTo>
-                <a:cubicBezTo>
-                  <a:pt x="824838" y="543750"/>
-                  <a:pt x="840419" y="683892"/>
-                  <a:pt x="845032" y="886022"/>
-                </a:cubicBezTo>
-                <a:cubicBezTo>
-                  <a:pt x="708439" y="867909"/>
-                  <a:pt x="590961" y="894991"/>
-                  <a:pt x="430966" y="886022"/>
-                </a:cubicBezTo>
-                <a:cubicBezTo>
-                  <a:pt x="270971" y="877053"/>
-                  <a:pt x="151183" y="904472"/>
-                  <a:pt x="0" y="886022"/>
-                </a:cubicBezTo>
-                <a:cubicBezTo>
-                  <a:pt x="102" y="767371"/>
-                  <a:pt x="-21486" y="554460"/>
-                  <a:pt x="0" y="451871"/>
-                </a:cubicBezTo>
-                <a:cubicBezTo>
-                  <a:pt x="21486" y="349282"/>
-                  <a:pt x="8243" y="110678"/>
-                  <a:pt x="0" y="0"/>
-                </a:cubicBezTo>
-                <a:close/>
-              </a:path>
-              <a:path w="845032" h="886022" stroke="0" extrusionOk="0">
+              <a:path w="845032" h="886022" extrusionOk="0">
                 <a:moveTo>
                   <a:pt x="0" y="0"/>
                 </a:moveTo>
@@ -17093,7 +16653,7 @@
         </p:nvSpPr>
         <p:spPr>
           <a:xfrm rot="20800289">
-            <a:off x="52046" y="1168061"/>
+            <a:off x="52046" y="1174251"/>
             <a:ext cx="963289" cy="507831"/>
           </a:xfrm>
           <a:prstGeom prst="rect">
@@ -17111,9 +16671,8 @@
             <a:r>
               <a:rPr lang="en-US" sz="900" b="1" dirty="0">
                 <a:solidFill>
-                  <a:schemeClr val="tx1">
-                    <a:lumMod val="40000"/>
-                    <a:lumOff val="60000"/>
+                  <a:schemeClr val="bg1">
+                    <a:lumMod val="95000"/>
                   </a:schemeClr>
                 </a:solidFill>
               </a:rPr>
@@ -17136,7 +16695,7 @@
         </p:nvSpPr>
         <p:spPr>
           <a:xfrm rot="20716320">
-            <a:off x="874167" y="1231487"/>
+            <a:off x="874167" y="1237677"/>
             <a:ext cx="998766" cy="369332"/>
           </a:xfrm>
           <a:prstGeom prst="rect">
@@ -17154,9 +16713,8 @@
             <a:r>
               <a:rPr lang="en-US" sz="900" b="1" dirty="0">
                 <a:solidFill>
-                  <a:schemeClr val="tx1">
-                    <a:lumMod val="40000"/>
-                    <a:lumOff val="60000"/>
+                  <a:schemeClr val="bg1">
+                    <a:lumMod val="95000"/>
                   </a:schemeClr>
                 </a:solidFill>
               </a:rPr>
@@ -17197,9 +16755,8 @@
             <a:r>
               <a:rPr lang="en-US" sz="800" b="1" dirty="0">
                 <a:solidFill>
-                  <a:schemeClr val="tx1">
-                    <a:lumMod val="40000"/>
-                    <a:lumOff val="60000"/>
+                  <a:schemeClr val="bg1">
+                    <a:lumMod val="95000"/>
                   </a:schemeClr>
                 </a:solidFill>
               </a:rPr>
@@ -17222,14 +16779,20 @@
         </p:nvSpPr>
         <p:spPr>
           <a:xfrm>
-            <a:off x="239070" y="2547705"/>
+            <a:off x="239070" y="2553721"/>
             <a:ext cx="208643" cy="211259"/>
           </a:xfrm>
           <a:prstGeom prst="rect">
             <a:avLst/>
           </a:prstGeom>
           <a:noFill/>
-          <a:ln w="28575"/>
+          <a:ln w="28575">
+            <a:solidFill>
+              <a:schemeClr val="bg2">
+                <a:lumMod val="50000"/>
+              </a:schemeClr>
+            </a:solidFill>
+          </a:ln>
           <a:effectLst>
             <a:glow rad="139700">
               <a:schemeClr val="accent1">
@@ -17402,14 +16965,20 @@
         </p:nvSpPr>
         <p:spPr>
           <a:xfrm>
-            <a:off x="239071" y="4150441"/>
+            <a:off x="239071" y="4156457"/>
             <a:ext cx="208643" cy="211259"/>
           </a:xfrm>
           <a:prstGeom prst="rect">
             <a:avLst/>
           </a:prstGeom>
           <a:noFill/>
-          <a:ln w="28575"/>
+          <a:ln w="28575">
+            <a:solidFill>
+              <a:schemeClr val="bg2">
+                <a:lumMod val="50000"/>
+              </a:schemeClr>
+            </a:solidFill>
+          </a:ln>
           <a:effectLst>
             <a:glow rad="139700">
               <a:schemeClr val="accent1">
@@ -17827,14 +17396,20 @@
         </p:nvSpPr>
         <p:spPr>
           <a:xfrm>
-            <a:off x="239070" y="3788092"/>
+            <a:off x="239070" y="3794108"/>
             <a:ext cx="208643" cy="211259"/>
           </a:xfrm>
           <a:prstGeom prst="rect">
             <a:avLst/>
           </a:prstGeom>
           <a:noFill/>
-          <a:ln w="28575"/>
+          <a:ln w="28575">
+            <a:solidFill>
+              <a:schemeClr val="bg2">
+                <a:lumMod val="50000"/>
+              </a:schemeClr>
+            </a:solidFill>
+          </a:ln>
           <a:effectLst>
             <a:glow rad="139700">
               <a:schemeClr val="accent1">

--- a/Mission Cards.pptx
+++ b/Mission Cards.pptx
@@ -516,104 +516,25 @@
           <a:lstStyle/>
           <a:p>
             <a:r>
-              <a:rPr lang="en-US" sz="700" i="1" dirty="0">
-                <a:solidFill>
-                  <a:schemeClr val="bg1"/>
-                </a:solidFill>
-                <a:latin typeface="Calibri body"/>
-              </a:rPr>
-              <a:t>NASA's Galileo spacecraft (from 1995 to 2003) made numerous flybys of Europa. This mission suggested Europa’s ice layer could be slowly churning due to heat from below. </a:t>
+              <a:rPr lang="en-US" sz="2000" dirty="0"/>
+              <a:t>The issue in further advancing knowledge of under-ice habitability and biological activity both on Earth and Europa is this: we just can't get there! RISE-UP will advance a capable, small form factor Autonomous Underwater Vehicle for long-range exploration under the Ross Ice Shelf in order to develop a vehicle that could, realistically, be flown in the future to Europa or another icy satellite.</a:t>
             </a:r>
           </a:p>
           <a:p>
-            <a:endParaRPr lang="en-US" sz="700" i="1" dirty="0">
-              <a:solidFill>
-                <a:schemeClr val="bg1"/>
-              </a:solidFill>
-              <a:latin typeface="Calibri body"/>
-            </a:endParaRPr>
+            <a:endParaRPr lang="en-US" sz="2000" dirty="0"/>
           </a:p>
           <a:p>
             <a:r>
-              <a:rPr lang="en-US" sz="700" dirty="0">
-                <a:solidFill>
-                  <a:schemeClr val="bg1"/>
-                </a:solidFill>
-                <a:latin typeface="Calibri body"/>
-              </a:rPr>
-              <a:t>One consideration when looking for life is contamination. We must be careful to not contaminate that planet with Earth life and not to bring extraterrestrial life forms back to earth! This important practice is called Planetary Protection.</a:t>
+              <a:rPr lang="en-US" sz="2000" dirty="0"/>
+              <a:t>characterize under-ice environments and test biological hypotheses, we will use the Georgia Tech hybrid ROV-AUV vehicle </a:t>
             </a:r>
-          </a:p>
-          <a:p>
-            <a:endParaRPr lang="en-US" sz="700" dirty="0">
-              <a:solidFill>
-                <a:schemeClr val="bg1"/>
-              </a:solidFill>
-              <a:latin typeface="Calibri body"/>
-            </a:endParaRPr>
-          </a:p>
-          <a:p>
-            <a:pPr marL="0" marR="0" lvl="0" indent="0" algn="l" defTabSz="351130" rtl="0" eaLnBrk="1" fontAlgn="auto" latinLnBrk="0" hangingPunct="1">
-              <a:lnSpc>
-                <a:spcPct val="100000"/>
-              </a:lnSpc>
-              <a:spcBef>
-                <a:spcPts val="0"/>
-              </a:spcBef>
-              <a:spcAft>
-                <a:spcPts val="0"/>
-              </a:spcAft>
-              <a:buClrTx/>
-              <a:buSzTx/>
-              <a:buFontTx/>
-              <a:buNone/>
-              <a:tabLst/>
-              <a:defRPr/>
-            </a:pPr>
             <a:r>
-              <a:rPr lang="en-US" sz="700" dirty="0">
-                <a:solidFill>
-                  <a:schemeClr val="bg1"/>
-                </a:solidFill>
-                <a:latin typeface="Calibri body"/>
-              </a:rPr>
-              <a:t>Currently, the clues to the composition of Europa’s ocean come from Earth telescopes collecting spectra, which are like chemical fingerprints encoded in the light reflected by the compounds. Future surface missions to Europa’s maybe able to measure this directly.</a:t>
+              <a:rPr lang="en-US" sz="2000" dirty="0" err="1"/>
+              <a:t>Icefin</a:t>
             </a:r>
-          </a:p>
-          <a:p>
-            <a:endParaRPr lang="en-US" sz="600" dirty="0"/>
-          </a:p>
-          <a:p>
-            <a:endParaRPr lang="en-US" sz="600" dirty="0"/>
-          </a:p>
-          <a:p>
             <a:r>
-              <a:rPr lang="en-US" sz="700" dirty="0">
-                <a:solidFill>
-                  <a:schemeClr val="bg1"/>
-                </a:solidFill>
-                <a:latin typeface="Calibri body"/>
-              </a:rPr>
-              <a:t>Potential energy sources on Europa include  have all three with energy potentially coming from Uranus’s radiation or theoretical thermal ocean vents. </a:t>
-            </a:r>
-          </a:p>
-          <a:p>
-            <a:endParaRPr lang="en-US" sz="700" dirty="0">
-              <a:solidFill>
-                <a:schemeClr val="bg1"/>
-              </a:solidFill>
-              <a:latin typeface="Calibri body"/>
-            </a:endParaRPr>
-          </a:p>
-          <a:p>
-            <a:r>
-              <a:rPr lang="en-US" sz="700" dirty="0">
-                <a:solidFill>
-                  <a:schemeClr val="bg1"/>
-                </a:solidFill>
-                <a:latin typeface="Calibri body"/>
-              </a:rPr>
-              <a:t>Life on Europa could take on many forms such as microbes or could be more complex. If life is found, this could indicate that life in the universe is more abundant than we think!</a:t>
+              <a:rPr lang="en-US" sz="2000" dirty="0"/>
+              <a:t>, to search in-situ for biological communities, understand the ice and seafloor, and map ocean water currents; each of these represents transformative observations for climate and planetary science.</a:t>
             </a:r>
             <a:endParaRPr lang="en-US" sz="600" dirty="0"/>
           </a:p>
@@ -7222,7 +7143,7 @@
         <p:spPr>
           <a:xfrm>
             <a:off x="48190" y="70253"/>
-            <a:ext cx="2646813" cy="1123384"/>
+            <a:ext cx="2646813" cy="1538883"/>
           </a:xfrm>
           <a:prstGeom prst="rect">
             <a:avLst/>
@@ -7246,7 +7167,7 @@
                 </a:solidFill>
                 <a:latin typeface="Calibri body"/>
               </a:rPr>
-              <a:t>Thermal vents and convection is Europa’s ocean</a:t>
+              <a:t>Thermal vents and convection in Europa’s ocean</a:t>
             </a:r>
           </a:p>
           <a:p>
@@ -7257,7 +7178,25 @@
                 </a:solidFill>
                 <a:latin typeface="Calibri body"/>
               </a:rPr>
-              <a:t>NASA's Galileo spacecraft (from 1995 to 2003) made numerous flybys of Europa. This mission suggested Europa’s ice layer could be slowly churning due to heat from below. Thermal vents on Earth are locations of highly specialized life forms. </a:t>
+              <a:t>NASA's Galileo spacecraft (from 1995 to 2003) made numerous flybys of Europa. This mission suggested Europa’s ice layer could be slowly churning, or </a:t>
+            </a:r>
+            <a:r>
+              <a:rPr lang="en-US" sz="900" dirty="0" err="1">
+                <a:solidFill>
+                  <a:schemeClr val="bg1"/>
+                </a:solidFill>
+                <a:latin typeface="Calibri body"/>
+              </a:rPr>
+              <a:t>convecting</a:t>
+            </a:r>
+            <a:r>
+              <a:rPr lang="en-US" sz="900" dirty="0">
+                <a:solidFill>
+                  <a:schemeClr val="bg1"/>
+                </a:solidFill>
+                <a:latin typeface="Calibri body"/>
+              </a:rPr>
+              <a:t> (cooler, denser ice sinks, while warmer less-dense ice rises), due to heat from below. Thermal vents on at the bottom of Earth’s oceans are locations of highly specialized life forms. Could life like this exist on Europa? </a:t>
             </a:r>
           </a:p>
         </p:txBody>
@@ -7276,8 +7215,8 @@
         </p:nvSpPr>
         <p:spPr>
           <a:xfrm>
-            <a:off x="36335" y="1399363"/>
-            <a:ext cx="2646813" cy="1369606"/>
+            <a:off x="48189" y="1663464"/>
+            <a:ext cx="2646813" cy="1092607"/>
           </a:xfrm>
           <a:prstGeom prst="rect">
             <a:avLst/>
@@ -7312,7 +7251,7 @@
                 </a:solidFill>
                 <a:latin typeface="Calibri body"/>
               </a:rPr>
-              <a:t>Europa’s ocean could have twice as much water as all of Earth’s oceans combined! Currently, the clues to the composition of Europa’s ocean come from Earth telescopes collecting spectra, which are like chemical fingerprints encoded in the light reflected by the compounds. Future surface missions to Europa may be able to measure chemical compounds directly.</a:t>
+              <a:t>Europa’s ocean could have twice as much water as all of Earth’s oceans combined! Scientist think that the temperature of Europa's ocean may be warmer than other planets. Scientist think that temperatures vary in the ocean which is in part response for its surface architecture. </a:t>
             </a:r>
           </a:p>
         </p:txBody>
@@ -7331,8 +7270,8 @@
         </p:nvSpPr>
         <p:spPr>
           <a:xfrm>
-            <a:off x="36335" y="2916455"/>
-            <a:ext cx="2646813" cy="569387"/>
+            <a:off x="48189" y="2824365"/>
+            <a:ext cx="2646813" cy="1677382"/>
           </a:xfrm>
           <a:prstGeom prst="rect">
             <a:avLst/>
@@ -7367,7 +7306,7 @@
                 </a:solidFill>
                 <a:latin typeface="Calibri body"/>
               </a:rPr>
-              <a:t>_______</a:t>
+              <a:t>Understanding under-ice environments is difficult. One potential way to do this is using underwater autonomous vehicles. Researcher propose to create such a vehicle and test it on the  Ross Ice Shelf in Antarctica. This vehicle aims to for biological communities, understand the ice and seafloor, and map ocean water currents—important observations for climate and planetary science both on Earth and on other icy bodies!</a:t>
             </a:r>
           </a:p>
         </p:txBody>
@@ -12442,8 +12381,8 @@
         </p:nvSpPr>
         <p:spPr>
           <a:xfrm>
-            <a:off x="401369" y="3373058"/>
-            <a:ext cx="768565" cy="285738"/>
+            <a:off x="442358" y="3373058"/>
+            <a:ext cx="970231" cy="285738"/>
           </a:xfrm>
           <a:prstGeom prst="rect">
             <a:avLst/>
@@ -12677,7 +12616,7 @@
         <p:spPr>
           <a:xfrm>
             <a:off x="84708" y="70253"/>
-            <a:ext cx="2573784" cy="1800493"/>
+            <a:ext cx="2573784" cy="1585049"/>
           </a:xfrm>
           <a:prstGeom prst="rect">
             <a:avLst/>
@@ -12706,7 +12645,7 @@
           </a:p>
           <a:p>
             <a:r>
-              <a:rPr lang="en-US" sz="900" dirty="0">
+              <a:rPr lang="en-US" sz="850" dirty="0">
                 <a:solidFill>
                   <a:schemeClr val="bg1"/>
                 </a:solidFill>
@@ -12714,7 +12653,7 @@
               </a:rPr>
               <a:t>Life, as we know it, has three requirements: water, energy and chemical elements. Scientist believe that many objects in space may fulfill the requirements to support life. A few of these are Mars, Europa, Enceladus and Titan. Life on other celestial bodies will likely take on simple forms, such as microbes, but may take on forms that could be more complex. If an independent form of life is found within our solar system , it could indicate that life in the universe is more abundant than we think!</a:t>
             </a:r>
-            <a:endParaRPr lang="en-US" sz="900" dirty="0"/>
+            <a:endParaRPr lang="en-US" sz="850" dirty="0"/>
           </a:p>
         </p:txBody>
       </p:sp>
@@ -12732,8 +12671,8 @@
         </p:nvSpPr>
         <p:spPr>
           <a:xfrm>
-            <a:off x="84706" y="1938182"/>
-            <a:ext cx="2573786" cy="415498"/>
+            <a:off x="84706" y="1755086"/>
+            <a:ext cx="2573786" cy="1061829"/>
           </a:xfrm>
           <a:prstGeom prst="rect">
             <a:avLst/>
@@ -12762,13 +12701,13 @@
           </a:p>
           <a:p>
             <a:r>
-              <a:rPr lang="en-US" sz="900" dirty="0">
+              <a:rPr lang="en-US" sz="850" dirty="0">
                 <a:solidFill>
                   <a:schemeClr val="bg1"/>
                 </a:solidFill>
                 <a:latin typeface="Calibri body"/>
               </a:rPr>
-              <a:t>______</a:t>
+              <a:t>There are many ways to search for life. On Europa, one way may be looking for molecular signs of life such as amino acids in ocean water expelled into the atmosphere by plumes (water volcanoes) or on the icy surface.  Mass spectrometry can tell scientist a lot about the composition of these samples!</a:t>
             </a:r>
           </a:p>
         </p:txBody>
@@ -12787,8 +12726,8 @@
         </p:nvSpPr>
         <p:spPr>
           <a:xfrm>
-            <a:off x="84706" y="2839754"/>
-            <a:ext cx="2573787" cy="1708160"/>
+            <a:off x="84705" y="2916699"/>
+            <a:ext cx="2573787" cy="1508105"/>
           </a:xfrm>
           <a:prstGeom prst="rect">
             <a:avLst/>
@@ -12817,7 +12756,7 @@
           </a:p>
           <a:p>
             <a:r>
-              <a:rPr lang="en-US" sz="900" dirty="0">
+              <a:rPr lang="en-US" sz="850" dirty="0">
                 <a:solidFill>
                   <a:schemeClr val="bg1"/>
                 </a:solidFill>
